--- a/reports/part 4/PROJECT OVERVIEW.pptx
+++ b/reports/part 4/PROJECT OVERVIEW.pptx
@@ -21,27 +21,28 @@
     <p:sldId id="266" r:id="rId16"/>
     <p:sldId id="267" r:id="rId17"/>
     <p:sldId id="268" r:id="rId18"/>
+    <p:sldId id="269" r:id="rId19"/>
   </p:sldIdLst>
   <p:sldSz cy="5143500" cx="9144000"/>
   <p:notesSz cx="6858000" cy="9144000"/>
   <p:embeddedFontLst>
     <p:embeddedFont>
       <p:font typeface="Della Respira"/>
-      <p:regular r:id="rId19"/>
+      <p:regular r:id="rId20"/>
     </p:embeddedFont>
     <p:embeddedFont>
       <p:font typeface="DM Sans Light"/>
-      <p:regular r:id="rId20"/>
-      <p:bold r:id="rId21"/>
-      <p:italic r:id="rId22"/>
-      <p:boldItalic r:id="rId23"/>
+      <p:regular r:id="rId21"/>
+      <p:bold r:id="rId22"/>
+      <p:italic r:id="rId23"/>
+      <p:boldItalic r:id="rId24"/>
     </p:embeddedFont>
     <p:embeddedFont>
       <p:font typeface="DM Sans"/>
-      <p:regular r:id="rId24"/>
-      <p:bold r:id="rId25"/>
-      <p:italic r:id="rId26"/>
-      <p:boldItalic r:id="rId27"/>
+      <p:regular r:id="rId25"/>
+      <p:bold r:id="rId26"/>
+      <p:italic r:id="rId27"/>
+      <p:boldItalic r:id="rId28"/>
     </p:embeddedFont>
   </p:embeddedFontLst>
   <p:defaultTextStyle>
@@ -822,7 +823,7 @@
   <p:cSld>
     <p:spTree>
       <p:nvGrpSpPr>
-        <p:cNvPr id="534" name="Shape 534"/>
+        <p:cNvPr id="544" name="Shape 544"/>
         <p:cNvGrpSpPr/>
         <p:nvPr/>
       </p:nvGrpSpPr>
@@ -836,7 +837,7 @@
       </p:grpSpPr>
       <p:sp>
         <p:nvSpPr>
-          <p:cNvPr id="535" name="Google Shape;535;g320ebe242b3_0_564:notes"/>
+          <p:cNvPr id="545" name="Google Shape;545;g320ebe242b3_0_564:notes"/>
           <p:cNvSpPr/>
           <p:nvPr>
             <p:ph idx="2" type="sldImg"/>
@@ -871,7 +872,7 @@
       </p:sp>
       <p:sp>
         <p:nvSpPr>
-          <p:cNvPr id="536" name="Google Shape;536;g320ebe242b3_0_564:notes"/>
+          <p:cNvPr id="546" name="Google Shape;546;g320ebe242b3_0_564:notes"/>
           <p:cNvSpPr txBox="1"/>
           <p:nvPr>
             <p:ph idx="1" type="body"/>
@@ -921,7 +922,7 @@
   <p:cSld>
     <p:spTree>
       <p:nvGrpSpPr>
-        <p:cNvPr id="541" name="Shape 541"/>
+        <p:cNvPr id="551" name="Shape 551"/>
         <p:cNvGrpSpPr/>
         <p:nvPr/>
       </p:nvGrpSpPr>
@@ -935,7 +936,7 @@
       </p:grpSpPr>
       <p:sp>
         <p:nvSpPr>
-          <p:cNvPr id="542" name="Google Shape;542;g320ebe242b3_0_602:notes"/>
+          <p:cNvPr id="552" name="Google Shape;552;g320ebe242b3_0_602:notes"/>
           <p:cNvSpPr/>
           <p:nvPr>
             <p:ph idx="2" type="sldImg"/>
@@ -970,7 +971,7 @@
       </p:sp>
       <p:sp>
         <p:nvSpPr>
-          <p:cNvPr id="543" name="Google Shape;543;g320ebe242b3_0_602:notes"/>
+          <p:cNvPr id="553" name="Google Shape;553;g320ebe242b3_0_602:notes"/>
           <p:cNvSpPr txBox="1"/>
           <p:nvPr>
             <p:ph idx="1" type="body"/>
@@ -1020,7 +1021,7 @@
   <p:cSld>
     <p:spTree>
       <p:nvGrpSpPr>
-        <p:cNvPr id="553" name="Shape 553"/>
+        <p:cNvPr id="565" name="Shape 565"/>
         <p:cNvGrpSpPr/>
         <p:nvPr/>
       </p:nvGrpSpPr>
@@ -1034,7 +1035,7 @@
       </p:grpSpPr>
       <p:sp>
         <p:nvSpPr>
-          <p:cNvPr id="554" name="Google Shape;554;g320ebe242b3_0_595:notes"/>
+          <p:cNvPr id="566" name="Google Shape;566;g321044f6b65_1_0:notes"/>
           <p:cNvSpPr/>
           <p:nvPr>
             <p:ph idx="2" type="sldImg"/>
@@ -1069,7 +1070,7 @@
       </p:sp>
       <p:sp>
         <p:nvSpPr>
-          <p:cNvPr id="555" name="Google Shape;555;g320ebe242b3_0_595:notes"/>
+          <p:cNvPr id="567" name="Google Shape;567;g321044f6b65_1_0:notes"/>
           <p:cNvSpPr txBox="1"/>
           <p:nvPr>
             <p:ph idx="1" type="body"/>
@@ -1119,7 +1120,7 @@
   <p:cSld>
     <p:spTree>
       <p:nvGrpSpPr>
-        <p:cNvPr id="559" name="Shape 559"/>
+        <p:cNvPr id="570" name="Shape 570"/>
         <p:cNvGrpSpPr/>
         <p:nvPr/>
       </p:nvGrpSpPr>
@@ -1133,7 +1134,7 @@
       </p:grpSpPr>
       <p:sp>
         <p:nvSpPr>
-          <p:cNvPr id="560" name="Google Shape;560;g320ebe242b3_0_655:notes"/>
+          <p:cNvPr id="571" name="Google Shape;571;g321044f6b65_1_6:notes"/>
           <p:cNvSpPr/>
           <p:nvPr>
             <p:ph idx="2" type="sldImg"/>
@@ -1168,7 +1169,106 @@
       </p:sp>
       <p:sp>
         <p:nvSpPr>
-          <p:cNvPr id="561" name="Google Shape;561;g320ebe242b3_0_655:notes"/>
+          <p:cNvPr id="572" name="Google Shape;572;g321044f6b65_1_6:notes"/>
+          <p:cNvSpPr txBox="1"/>
+          <p:nvPr>
+            <p:ph idx="1" type="body"/>
+          </p:nvPr>
+        </p:nvSpPr>
+        <p:spPr>
+          <a:xfrm>
+            <a:off x="685800" y="4343400"/>
+            <a:ext cx="5486400" cy="4114800"/>
+          </a:xfrm>
+          <a:prstGeom prst="rect">
+            <a:avLst/>
+          </a:prstGeom>
+        </p:spPr>
+        <p:txBody>
+          <a:bodyPr anchorCtr="0" anchor="t" bIns="91425" lIns="91425" spcFirstLastPara="1" rIns="91425" wrap="square" tIns="91425">
+            <a:noAutofit/>
+          </a:bodyPr>
+          <a:lstStyle/>
+          <a:p>
+            <a:pPr indent="0" lvl="0" marL="0" rtl="0" algn="l">
+              <a:spcBef>
+                <a:spcPts val="0"/>
+              </a:spcBef>
+              <a:spcAft>
+                <a:spcPts val="0"/>
+              </a:spcAft>
+              <a:buNone/>
+            </a:pPr>
+            <a:r>
+              <a:t/>
+            </a:r>
+            <a:endParaRPr/>
+          </a:p>
+        </p:txBody>
+      </p:sp>
+    </p:spTree>
+  </p:cSld>
+  <p:clrMapOvr>
+    <a:masterClrMapping/>
+  </p:clrMapOvr>
+</p:notes>
+</file>
+
+<file path=ppt/notesSlides/notesSlide14.xml><?xml version="1.0" encoding="utf-8"?>
+<p:notes xmlns:a="http://schemas.openxmlformats.org/drawingml/2006/main" xmlns:r="http://schemas.openxmlformats.org/officeDocument/2006/relationships" xmlns:mc="http://schemas.openxmlformats.org/markup-compatibility/2006" xmlns:mv="urn:schemas-microsoft-com:mac:vml" xmlns:p="http://schemas.openxmlformats.org/presentationml/2006/main" xmlns:c="http://schemas.openxmlformats.org/drawingml/2006/chart" xmlns:dgm="http://schemas.openxmlformats.org/drawingml/2006/diagram" xmlns:o="urn:schemas-microsoft-com:office:office" xmlns:v="urn:schemas-microsoft-com:vml" xmlns:pvml="urn:schemas-microsoft-com:office:powerpoint" xmlns:com="http://schemas.openxmlformats.org/drawingml/2006/compatibility" xmlns:p14="http://schemas.microsoft.com/office/powerpoint/2010/main" xmlns:p15="http://schemas.microsoft.com/office/powerpoint/2012/main" xmlns:ahyp="http://schemas.microsoft.com/office/drawing/2018/hyperlinkcolor" showMasterPhAnim="0" showMasterSp="0">
+  <p:cSld>
+    <p:spTree>
+      <p:nvGrpSpPr>
+        <p:cNvPr id="579" name="Shape 579"/>
+        <p:cNvGrpSpPr/>
+        <p:nvPr/>
+      </p:nvGrpSpPr>
+      <p:grpSpPr>
+        <a:xfrm>
+          <a:off x="0" y="0"/>
+          <a:ext cx="0" cy="0"/>
+          <a:chOff x="0" y="0"/>
+          <a:chExt cx="0" cy="0"/>
+        </a:xfrm>
+      </p:grpSpPr>
+      <p:sp>
+        <p:nvSpPr>
+          <p:cNvPr id="580" name="Google Shape;580;g320ebe242b3_0_655:notes"/>
+          <p:cNvSpPr/>
+          <p:nvPr>
+            <p:ph idx="2" type="sldImg"/>
+          </p:nvPr>
+        </p:nvSpPr>
+        <p:spPr>
+          <a:xfrm>
+            <a:off x="381300" y="685800"/>
+            <a:ext cx="6096000" cy="3429000"/>
+          </a:xfrm>
+          <a:custGeom>
+            <a:rect b="b" l="l" r="r" t="t"/>
+            <a:pathLst>
+              <a:path extrusionOk="0" h="120000" w="120000">
+                <a:moveTo>
+                  <a:pt x="0" y="0"/>
+                </a:moveTo>
+                <a:lnTo>
+                  <a:pt x="120000" y="0"/>
+                </a:lnTo>
+                <a:lnTo>
+                  <a:pt x="120000" y="120000"/>
+                </a:lnTo>
+                <a:lnTo>
+                  <a:pt x="0" y="120000"/>
+                </a:lnTo>
+                <a:close/>
+              </a:path>
+            </a:pathLst>
+          </a:custGeom>
+        </p:spPr>
+      </p:sp>
+      <p:sp>
+        <p:nvSpPr>
+          <p:cNvPr id="581" name="Google Shape;581;g320ebe242b3_0_655:notes"/>
           <p:cNvSpPr txBox="1"/>
           <p:nvPr>
             <p:ph idx="1" type="body"/>
@@ -1812,7 +1912,7 @@
   <p:cSld>
     <p:spTree>
       <p:nvGrpSpPr>
-        <p:cNvPr id="515" name="Shape 515"/>
+        <p:cNvPr id="521" name="Shape 521"/>
         <p:cNvGrpSpPr/>
         <p:nvPr/>
       </p:nvGrpSpPr>
@@ -1826,7 +1926,7 @@
       </p:grpSpPr>
       <p:sp>
         <p:nvSpPr>
-          <p:cNvPr id="516" name="Google Shape;516;g320ebe242b3_0_507:notes"/>
+          <p:cNvPr id="522" name="Google Shape;522;g320ebe242b3_0_507:notes"/>
           <p:cNvSpPr/>
           <p:nvPr>
             <p:ph idx="2" type="sldImg"/>
@@ -1861,7 +1961,7 @@
       </p:sp>
       <p:sp>
         <p:nvSpPr>
-          <p:cNvPr id="517" name="Google Shape;517;g320ebe242b3_0_507:notes"/>
+          <p:cNvPr id="523" name="Google Shape;523;g320ebe242b3_0_507:notes"/>
           <p:cNvSpPr txBox="1"/>
           <p:nvPr>
             <p:ph idx="1" type="body"/>
@@ -1911,7 +2011,7 @@
   <p:cSld>
     <p:spTree>
       <p:nvGrpSpPr>
-        <p:cNvPr id="526" name="Shape 526"/>
+        <p:cNvPr id="534" name="Shape 534"/>
         <p:cNvGrpSpPr/>
         <p:nvPr/>
       </p:nvGrpSpPr>
@@ -1925,7 +2025,7 @@
       </p:grpSpPr>
       <p:sp>
         <p:nvSpPr>
-          <p:cNvPr id="527" name="Google Shape;527;g320ebe242b3_0_554:notes"/>
+          <p:cNvPr id="535" name="Google Shape;535;g320ebe242b3_0_554:notes"/>
           <p:cNvSpPr/>
           <p:nvPr>
             <p:ph idx="2" type="sldImg"/>
@@ -1960,7 +2060,7 @@
       </p:sp>
       <p:sp>
         <p:nvSpPr>
-          <p:cNvPr id="528" name="Google Shape;528;g320ebe242b3_0_554:notes"/>
+          <p:cNvPr id="536" name="Google Shape;536;g320ebe242b3_0_554:notes"/>
           <p:cNvSpPr txBox="1"/>
           <p:nvPr>
             <p:ph idx="1" type="body"/>
@@ -40689,7 +40789,7 @@
   <p:cSld>
     <p:spTree>
       <p:nvGrpSpPr>
-        <p:cNvPr id="537" name="Shape 537"/>
+        <p:cNvPr id="547" name="Shape 547"/>
         <p:cNvGrpSpPr/>
         <p:nvPr/>
       </p:nvGrpSpPr>
@@ -40703,7 +40803,7 @@
       </p:grpSpPr>
       <p:sp>
         <p:nvSpPr>
-          <p:cNvPr id="538" name="Google Shape;538;p70"/>
+          <p:cNvPr id="548" name="Google Shape;548;p70"/>
           <p:cNvSpPr txBox="1"/>
           <p:nvPr>
             <p:ph idx="1" type="body"/>
@@ -40711,8 +40811,8 @@
         </p:nvSpPr>
         <p:spPr>
           <a:xfrm>
-            <a:off x="496350" y="1593900"/>
-            <a:ext cx="3754200" cy="2985000"/>
+            <a:off x="78775" y="1386975"/>
+            <a:ext cx="4453800" cy="3399000"/>
           </a:xfrm>
           <a:prstGeom prst="rect">
             <a:avLst/>
@@ -40724,7 +40824,7 @@
           </a:bodyPr>
           <a:lstStyle/>
           <a:p>
-            <a:pPr indent="0" lvl="0" marL="0" rtl="0" algn="l">
+            <a:pPr indent="0" lvl="0" marL="0" rtl="0" algn="ctr">
               <a:lnSpc>
                 <a:spcPct val="115000"/>
               </a:lnSpc>
@@ -40742,25 +40842,25 @@
               <a:buNone/>
             </a:pPr>
             <a:r>
-              <a:rPr lang="en" sz="1200">
+              <a:rPr lang="en" sz="2300">
                 <a:solidFill>
                   <a:schemeClr val="dk1"/>
                 </a:solidFill>
-                <a:latin typeface="Times New Roman"/>
-                <a:ea typeface="Times New Roman"/>
-                <a:cs typeface="Times New Roman"/>
-                <a:sym typeface="Times New Roman"/>
+                <a:latin typeface="Della Respira"/>
+                <a:ea typeface="Della Respira"/>
+                <a:cs typeface="Della Respira"/>
+                <a:sym typeface="Della Respira"/>
               </a:rPr>
-              <a:t>Our results align with previous studies on hotel booking cancellation, confirming that lead time and deposit types significantly affect cancellation rates. Additionally, the importance of room price as a key feature highlights the role that financial factors play in customer decisions. The weak correlation of customer type was surprising, and indicates potential for further investigation. </a:t>
+              <a:t>Main Points</a:t>
             </a:r>
             <a:endParaRPr sz="1200">
               <a:solidFill>
                 <a:schemeClr val="dk1"/>
               </a:solidFill>
-              <a:latin typeface="Times New Roman"/>
-              <a:ea typeface="Times New Roman"/>
-              <a:cs typeface="Times New Roman"/>
-              <a:sym typeface="Times New Roman"/>
+              <a:latin typeface="Della Respira"/>
+              <a:ea typeface="Della Respira"/>
+              <a:cs typeface="Della Respira"/>
+              <a:sym typeface="Della Respira"/>
             </a:endParaRPr>
           </a:p>
           <a:p>
@@ -40784,14 +40884,54 @@
             <a:r>
               <a:t/>
             </a:r>
-            <a:endParaRPr sz="1200">
+            <a:endParaRPr sz="1100">
               <a:solidFill>
                 <a:schemeClr val="dk1"/>
               </a:solidFill>
-              <a:latin typeface="Times New Roman"/>
-              <a:ea typeface="Times New Roman"/>
-              <a:cs typeface="Times New Roman"/>
-              <a:sym typeface="Times New Roman"/>
+              <a:latin typeface="Della Respira"/>
+              <a:ea typeface="Della Respira"/>
+              <a:cs typeface="Della Respira"/>
+              <a:sym typeface="Della Respira"/>
+            </a:endParaRPr>
+          </a:p>
+          <a:p>
+            <a:pPr indent="-298450" lvl="0" marL="457200" rtl="0" algn="l">
+              <a:lnSpc>
+                <a:spcPct val="115000"/>
+              </a:lnSpc>
+              <a:spcBef>
+                <a:spcPts val="0"/>
+              </a:spcBef>
+              <a:spcAft>
+                <a:spcPts val="0"/>
+              </a:spcAft>
+              <a:buClr>
+                <a:schemeClr val="dk1"/>
+              </a:buClr>
+              <a:buSzPts val="1100"/>
+              <a:buFont typeface="Della Respira"/>
+              <a:buChar char="-"/>
+            </a:pPr>
+            <a:r>
+              <a:rPr lang="en" sz="1100">
+                <a:solidFill>
+                  <a:schemeClr val="dk1"/>
+                </a:solidFill>
+                <a:latin typeface="Della Respira"/>
+                <a:ea typeface="Della Respira"/>
+                <a:cs typeface="Della Respira"/>
+                <a:sym typeface="Della Respira"/>
+              </a:rPr>
+              <a:t>Our results align with previous studies on hotel booking cancellation, confirming that lead time and deposit types significantly affect cancellation rates. </a:t>
+            </a:r>
+            <a:endParaRPr sz="1100">
+              <a:solidFill>
+                <a:schemeClr val="dk1"/>
+              </a:solidFill>
+              <a:latin typeface="Della Respira"/>
+              <a:ea typeface="Della Respira"/>
+              <a:cs typeface="Della Respira"/>
+              <a:sym typeface="Della Respira"/>
             </a:endParaRPr>
           </a:p>
           <a:p>
@@ -40813,47 +40953,225 @@
               <a:buNone/>
             </a:pPr>
             <a:r>
-              <a:rPr lang="en" sz="1200">
+              <a:t/>
+            </a:r>
+            <a:endParaRPr sz="1100">
+              <a:solidFill>
+                <a:schemeClr val="dk1"/>
+              </a:solidFill>
+              <a:latin typeface="Della Respira"/>
+              <a:ea typeface="Della Respira"/>
+              <a:cs typeface="Della Respira"/>
+              <a:sym typeface="Della Respira"/>
+            </a:endParaRPr>
+          </a:p>
+          <a:p>
+            <a:pPr indent="-298450" lvl="0" marL="457200" rtl="0" algn="l">
+              <a:lnSpc>
+                <a:spcPct val="115000"/>
+              </a:lnSpc>
+              <a:spcBef>
+                <a:spcPts val="0"/>
+              </a:spcBef>
+              <a:spcAft>
+                <a:spcPts val="0"/>
+              </a:spcAft>
+              <a:buClr>
+                <a:schemeClr val="dk1"/>
+              </a:buClr>
+              <a:buSzPts val="1100"/>
+              <a:buFont typeface="Della Respira"/>
+              <a:buChar char="-"/>
+            </a:pPr>
+            <a:r>
+              <a:rPr lang="en" sz="1100">
                 <a:solidFill>
                   <a:schemeClr val="dk1"/>
                 </a:solidFill>
-                <a:latin typeface="Times New Roman"/>
-                <a:ea typeface="Times New Roman"/>
-                <a:cs typeface="Times New Roman"/>
-                <a:sym typeface="Times New Roman"/>
+                <a:latin typeface="Della Respira"/>
+                <a:ea typeface="Della Respira"/>
+                <a:cs typeface="Della Respira"/>
+                <a:sym typeface="Della Respira"/>
               </a:rPr>
-              <a:t>Testing revealed that a Random Forest Classifier(RFC) consistently outperformed Linear Regression(LR), which led us to select it as our primary predictive model. One change we made during testing was the inclusion of arrival dates as a feature of the model, which improved predictive accuracy.</a:t>
+              <a:t>The importance of room price as a key feature highlights the role that financial factors play in customer decisions. </a:t>
             </a:r>
-            <a:endParaRPr sz="1200">
+            <a:endParaRPr sz="1100">
               <a:solidFill>
                 <a:schemeClr val="dk1"/>
               </a:solidFill>
-              <a:latin typeface="Times New Roman"/>
-              <a:ea typeface="Times New Roman"/>
-              <a:cs typeface="Times New Roman"/>
-              <a:sym typeface="Times New Roman"/>
+              <a:latin typeface="Della Respira"/>
+              <a:ea typeface="Della Respira"/>
+              <a:cs typeface="Della Respira"/>
+              <a:sym typeface="Della Respira"/>
             </a:endParaRPr>
           </a:p>
           <a:p>
             <a:pPr indent="0" lvl="0" marL="0" rtl="0" algn="l">
-              <a:spcBef>
-                <a:spcPts val="0"/>
-              </a:spcBef>
-              <a:spcAft>
-                <a:spcPts val="0"/>
-              </a:spcAft>
+              <a:lnSpc>
+                <a:spcPct val="115000"/>
+              </a:lnSpc>
+              <a:spcBef>
+                <a:spcPts val="0"/>
+              </a:spcBef>
+              <a:spcAft>
+                <a:spcPts val="0"/>
+              </a:spcAft>
+              <a:buClr>
+                <a:schemeClr val="dk1"/>
+              </a:buClr>
+              <a:buSzPts val="1100"/>
+              <a:buFont typeface="Arial"/>
               <a:buNone/>
             </a:pPr>
             <a:r>
               <a:t/>
             </a:r>
-            <a:endParaRPr/>
+            <a:endParaRPr sz="1100">
+              <a:solidFill>
+                <a:schemeClr val="dk1"/>
+              </a:solidFill>
+              <a:latin typeface="Della Respira"/>
+              <a:ea typeface="Della Respira"/>
+              <a:cs typeface="Della Respira"/>
+              <a:sym typeface="Della Respira"/>
+            </a:endParaRPr>
+          </a:p>
+          <a:p>
+            <a:pPr indent="-298450" lvl="0" marL="457200" rtl="0" algn="l">
+              <a:lnSpc>
+                <a:spcPct val="115000"/>
+              </a:lnSpc>
+              <a:spcBef>
+                <a:spcPts val="0"/>
+              </a:spcBef>
+              <a:spcAft>
+                <a:spcPts val="0"/>
+              </a:spcAft>
+              <a:buClr>
+                <a:schemeClr val="dk1"/>
+              </a:buClr>
+              <a:buSzPts val="1100"/>
+              <a:buFont typeface="Della Respira"/>
+              <a:buChar char="-"/>
+            </a:pPr>
+            <a:r>
+              <a:rPr lang="en" sz="1100">
+                <a:solidFill>
+                  <a:schemeClr val="dk1"/>
+                </a:solidFill>
+                <a:latin typeface="Della Respira"/>
+                <a:ea typeface="Della Respira"/>
+                <a:cs typeface="Della Respira"/>
+                <a:sym typeface="Della Respira"/>
+              </a:rPr>
+              <a:t>The weak correlation of customer type was surprising, and indicates potential for further investigation. </a:t>
+            </a:r>
+            <a:endParaRPr sz="1100">
+              <a:solidFill>
+                <a:schemeClr val="dk1"/>
+              </a:solidFill>
+              <a:latin typeface="Della Respira"/>
+              <a:ea typeface="Della Respira"/>
+              <a:cs typeface="Della Respira"/>
+              <a:sym typeface="Della Respira"/>
+            </a:endParaRPr>
+          </a:p>
+          <a:p>
+            <a:pPr indent="0" lvl="0" marL="0" rtl="0" algn="l">
+              <a:lnSpc>
+                <a:spcPct val="115000"/>
+              </a:lnSpc>
+              <a:spcBef>
+                <a:spcPts val="0"/>
+              </a:spcBef>
+              <a:spcAft>
+                <a:spcPts val="0"/>
+              </a:spcAft>
+              <a:buClr>
+                <a:schemeClr val="dk1"/>
+              </a:buClr>
+              <a:buSzPts val="1100"/>
+              <a:buFont typeface="Arial"/>
+              <a:buNone/>
+            </a:pPr>
+            <a:r>
+              <a:t/>
+            </a:r>
+            <a:endParaRPr sz="1100">
+              <a:solidFill>
+                <a:schemeClr val="dk1"/>
+              </a:solidFill>
+              <a:latin typeface="Della Respira"/>
+              <a:ea typeface="Della Respira"/>
+              <a:cs typeface="Della Respira"/>
+              <a:sym typeface="Della Respira"/>
+            </a:endParaRPr>
+          </a:p>
+          <a:p>
+            <a:pPr indent="-298450" lvl="0" marL="457200" rtl="0" algn="l">
+              <a:lnSpc>
+                <a:spcPct val="115000"/>
+              </a:lnSpc>
+              <a:spcBef>
+                <a:spcPts val="0"/>
+              </a:spcBef>
+              <a:spcAft>
+                <a:spcPts val="0"/>
+              </a:spcAft>
+              <a:buClr>
+                <a:schemeClr val="dk1"/>
+              </a:buClr>
+              <a:buSzPts val="1100"/>
+              <a:buFont typeface="Della Respira"/>
+              <a:buChar char="-"/>
+            </a:pPr>
+            <a:r>
+              <a:rPr lang="en" sz="1100">
+                <a:solidFill>
+                  <a:schemeClr val="dk1"/>
+                </a:solidFill>
+                <a:latin typeface="Della Respira"/>
+                <a:ea typeface="Della Respira"/>
+                <a:cs typeface="Della Respira"/>
+                <a:sym typeface="Della Respira"/>
+              </a:rPr>
+              <a:t>Random Forest Classifier(RFC) consistently outperformed Linear Regression(LR), which led us to select it as our primary predictive model. </a:t>
+            </a:r>
+            <a:endParaRPr sz="1100">
+              <a:solidFill>
+                <a:schemeClr val="dk1"/>
+              </a:solidFill>
+              <a:latin typeface="Della Respira"/>
+              <a:ea typeface="Della Respira"/>
+              <a:cs typeface="Della Respira"/>
+              <a:sym typeface="Della Respira"/>
+            </a:endParaRPr>
+          </a:p>
+          <a:p>
+            <a:pPr indent="0" lvl="0" marL="0" rtl="0" algn="l">
+              <a:spcBef>
+                <a:spcPts val="0"/>
+              </a:spcBef>
+              <a:spcAft>
+                <a:spcPts val="0"/>
+              </a:spcAft>
+              <a:buNone/>
+            </a:pPr>
+            <a:r>
+              <a:t/>
+            </a:r>
+            <a:endParaRPr>
+              <a:latin typeface="Della Respira"/>
+              <a:ea typeface="Della Respira"/>
+              <a:cs typeface="Della Respira"/>
+              <a:sym typeface="Della Respira"/>
+            </a:endParaRPr>
           </a:p>
         </p:txBody>
       </p:sp>
       <p:sp>
         <p:nvSpPr>
-          <p:cNvPr id="539" name="Google Shape;539;p70"/>
+          <p:cNvPr id="549" name="Google Shape;549;p70"/>
           <p:cNvSpPr txBox="1"/>
           <p:nvPr>
             <p:ph type="title"/>
@@ -40893,7 +41211,7 @@
       </p:sp>
       <p:pic>
         <p:nvPicPr>
-          <p:cNvPr descr="50+ Hotel Cancellation Stock Illustrations, Royalty-Free Vector Graphics &amp; Clip  Art - iStock" id="540" name="Google Shape;540;p70"/>
+          <p:cNvPr descr="50+ Hotel Cancellation Stock Illustrations, Royalty-Free Vector Graphics &amp; Clip  Art - iStock" id="550" name="Google Shape;550;p70"/>
           <p:cNvPicPr preferRelativeResize="0"/>
           <p:nvPr/>
         </p:nvPicPr>
@@ -40940,7 +41258,7 @@
   <p:cSld>
     <p:spTree>
       <p:nvGrpSpPr>
-        <p:cNvPr id="544" name="Shape 544"/>
+        <p:cNvPr id="554" name="Shape 554"/>
         <p:cNvGrpSpPr/>
         <p:nvPr/>
       </p:nvGrpSpPr>
@@ -40954,7 +41272,7 @@
       </p:grpSpPr>
       <p:sp>
         <p:nvSpPr>
-          <p:cNvPr id="545" name="Google Shape;545;p71"/>
+          <p:cNvPr id="555" name="Google Shape;555;p71"/>
           <p:cNvSpPr txBox="1"/>
           <p:nvPr>
             <p:ph type="title"/>
@@ -41002,7 +41320,7 @@
       </p:sp>
       <p:sp>
         <p:nvSpPr>
-          <p:cNvPr id="546" name="Google Shape;546;p71"/>
+          <p:cNvPr id="556" name="Google Shape;556;p71"/>
           <p:cNvSpPr txBox="1"/>
           <p:nvPr>
             <p:ph idx="1" type="subTitle"/>
@@ -41042,7 +41360,7 @@
       </p:sp>
       <p:sp>
         <p:nvSpPr>
-          <p:cNvPr id="547" name="Google Shape;547;p71"/>
+          <p:cNvPr id="557" name="Google Shape;557;p71"/>
           <p:cNvSpPr txBox="1"/>
           <p:nvPr>
             <p:ph idx="2" type="subTitle"/>
@@ -41082,7 +41400,7 @@
       </p:sp>
       <p:sp>
         <p:nvSpPr>
-          <p:cNvPr id="548" name="Google Shape;548;p71"/>
+          <p:cNvPr id="558" name="Google Shape;558;p71"/>
           <p:cNvSpPr txBox="1"/>
           <p:nvPr>
             <p:ph idx="3" type="subTitle"/>
@@ -41122,7 +41440,7 @@
       </p:sp>
       <p:sp>
         <p:nvSpPr>
-          <p:cNvPr id="549" name="Google Shape;549;p71"/>
+          <p:cNvPr id="559" name="Google Shape;559;p71"/>
           <p:cNvSpPr txBox="1"/>
           <p:nvPr>
             <p:ph idx="4" type="body"/>
@@ -41181,7 +41499,7 @@
       </p:sp>
       <p:sp>
         <p:nvSpPr>
-          <p:cNvPr id="550" name="Google Shape;550;p71"/>
+          <p:cNvPr id="560" name="Google Shape;560;p71"/>
           <p:cNvSpPr txBox="1"/>
           <p:nvPr>
             <p:ph idx="5" type="body"/>
@@ -41264,7 +41582,7 @@
       </p:sp>
       <p:sp>
         <p:nvSpPr>
-          <p:cNvPr id="551" name="Google Shape;551;p71"/>
+          <p:cNvPr id="561" name="Google Shape;561;p71"/>
           <p:cNvSpPr txBox="1"/>
           <p:nvPr>
             <p:ph idx="6" type="body"/>
@@ -41328,7 +41646,7 @@
       </p:sp>
       <p:pic>
         <p:nvPicPr>
-          <p:cNvPr descr="Modern Hotel Stock Illustrations – 307,811 Modern Hotel Stock  Illustrations, Vectors &amp; Clipart - Dreamstime" id="552" name="Google Shape;552;p71"/>
+          <p:cNvPr descr="Modern Hotel Stock Illustrations – 307,811 Modern Hotel Stock  Illustrations, Vectors &amp; Clipart - Dreamstime" id="562" name="Google Shape;562;p71"/>
           <p:cNvPicPr preferRelativeResize="0"/>
           <p:nvPr/>
         </p:nvPicPr>
@@ -41342,7 +41660,7 @@
         <p:spPr>
           <a:xfrm>
             <a:off x="6746925" y="1348075"/>
-            <a:ext cx="2271600" cy="3505500"/>
+            <a:ext cx="2271600" cy="2784000"/>
           </a:xfrm>
           <a:prstGeom prst="roundRect">
             <a:avLst>
@@ -41361,6 +41679,112 @@
           </a:ln>
         </p:spPr>
       </p:pic>
+      <p:sp>
+        <p:nvSpPr>
+          <p:cNvPr id="563" name="Google Shape;563;p71"/>
+          <p:cNvSpPr/>
+          <p:nvPr/>
+        </p:nvSpPr>
+        <p:spPr>
+          <a:xfrm>
+            <a:off x="6828450" y="4286250"/>
+            <a:ext cx="2118600" cy="729300"/>
+          </a:xfrm>
+          <a:prstGeom prst="ellipse">
+            <a:avLst/>
+          </a:prstGeom>
+          <a:solidFill>
+            <a:schemeClr val="accent1"/>
+          </a:solidFill>
+          <a:ln cap="flat" cmpd="sng" w="9525">
+            <a:solidFill>
+              <a:schemeClr val="dk1"/>
+            </a:solidFill>
+            <a:prstDash val="solid"/>
+            <a:round/>
+            <a:headEnd len="sm" w="sm" type="none"/>
+            <a:tailEnd len="sm" w="sm" type="none"/>
+          </a:ln>
+        </p:spPr>
+        <p:txBody>
+          <a:bodyPr anchorCtr="0" anchor="ctr" bIns="91425" lIns="91425" spcFirstLastPara="1" rIns="91425" wrap="square" tIns="91425">
+            <a:noAutofit/>
+          </a:bodyPr>
+          <a:lstStyle/>
+          <a:p>
+            <a:pPr indent="0" lvl="0" marL="0" rtl="0" algn="ctr">
+              <a:spcBef>
+                <a:spcPts val="0"/>
+              </a:spcBef>
+              <a:spcAft>
+                <a:spcPts val="0"/>
+              </a:spcAft>
+              <a:buNone/>
+            </a:pPr>
+            <a:r>
+              <a:t/>
+            </a:r>
+            <a:endParaRPr>
+              <a:latin typeface="DM Sans"/>
+              <a:ea typeface="DM Sans"/>
+              <a:cs typeface="DM Sans"/>
+              <a:sym typeface="DM Sans"/>
+            </a:endParaRPr>
+          </a:p>
+        </p:txBody>
+      </p:sp>
+      <p:sp>
+        <p:nvSpPr>
+          <p:cNvPr id="564" name="Google Shape;564;p71"/>
+          <p:cNvSpPr txBox="1"/>
+          <p:nvPr/>
+        </p:nvSpPr>
+        <p:spPr>
+          <a:xfrm>
+            <a:off x="7212725" y="4313025"/>
+            <a:ext cx="1428900" cy="405000"/>
+          </a:xfrm>
+          <a:prstGeom prst="rect">
+            <a:avLst/>
+          </a:prstGeom>
+          <a:noFill/>
+          <a:ln>
+            <a:noFill/>
+          </a:ln>
+        </p:spPr>
+        <p:txBody>
+          <a:bodyPr anchorCtr="0" anchor="t" bIns="91425" lIns="91425" spcFirstLastPara="1" rIns="91425" wrap="square" tIns="91425">
+            <a:noAutofit/>
+          </a:bodyPr>
+          <a:lstStyle/>
+          <a:p>
+            <a:pPr indent="0" lvl="0" marL="0" rtl="0" algn="l">
+              <a:spcBef>
+                <a:spcPts val="0"/>
+              </a:spcBef>
+              <a:spcAft>
+                <a:spcPts val="0"/>
+              </a:spcAft>
+              <a:buNone/>
+            </a:pPr>
+            <a:r>
+              <a:rPr lang="en" sz="1600">
+                <a:latin typeface="Della Respira"/>
+                <a:ea typeface="Della Respira"/>
+                <a:cs typeface="Della Respira"/>
+                <a:sym typeface="Della Respira"/>
+              </a:rPr>
+              <a:t>Future Application?</a:t>
+            </a:r>
+            <a:endParaRPr sz="1600">
+              <a:latin typeface="Della Respira"/>
+              <a:ea typeface="Della Respira"/>
+              <a:cs typeface="Della Respira"/>
+              <a:sym typeface="Della Respira"/>
+            </a:endParaRPr>
+          </a:p>
+        </p:txBody>
+      </p:sp>
     </p:spTree>
   </p:cSld>
   <p:clrMapOvr>
@@ -41374,7 +41798,7 @@
   <p:cSld>
     <p:spTree>
       <p:nvGrpSpPr>
-        <p:cNvPr id="556" name="Shape 556"/>
+        <p:cNvPr id="568" name="Shape 568"/>
         <p:cNvGrpSpPr/>
         <p:nvPr/>
       </p:nvGrpSpPr>
@@ -41388,7 +41812,7 @@
       </p:grpSpPr>
       <p:sp>
         <p:nvSpPr>
-          <p:cNvPr id="557" name="Google Shape;557;p72"/>
+          <p:cNvPr id="569" name="Google Shape;569;p72"/>
           <p:cNvSpPr txBox="1"/>
           <p:nvPr>
             <p:ph type="title"/>
@@ -41426,57 +41850,6 @@
               <a:t>THANK YOU</a:t>
             </a:r>
             <a:endParaRPr sz="4200"/>
-          </a:p>
-        </p:txBody>
-      </p:sp>
-      <p:sp>
-        <p:nvSpPr>
-          <p:cNvPr id="558" name="Google Shape;558;p72"/>
-          <p:cNvSpPr txBox="1"/>
-          <p:nvPr>
-            <p:ph idx="1" type="subTitle"/>
-          </p:nvPr>
-        </p:nvSpPr>
-        <p:spPr>
-          <a:xfrm>
-            <a:off x="4681900" y="3235225"/>
-            <a:ext cx="4191900" cy="1623300"/>
-          </a:xfrm>
-          <a:prstGeom prst="rect">
-            <a:avLst/>
-          </a:prstGeom>
-        </p:spPr>
-        <p:txBody>
-          <a:bodyPr anchorCtr="0" anchor="ctr" bIns="91425" lIns="91425" spcFirstLastPara="1" rIns="91425" wrap="square" tIns="91425">
-            <a:normAutofit/>
-          </a:bodyPr>
-          <a:lstStyle/>
-          <a:p>
-            <a:pPr indent="0" lvl="0" marL="0" rtl="0" algn="ctr">
-              <a:lnSpc>
-                <a:spcPct val="125000"/>
-              </a:lnSpc>
-              <a:spcBef>
-                <a:spcPts val="0"/>
-              </a:spcBef>
-              <a:spcAft>
-                <a:spcPts val="0"/>
-              </a:spcAft>
-              <a:buNone/>
-            </a:pPr>
-            <a:r>
-              <a:rPr b="1" lang="en" sz="2100">
-                <a:solidFill>
-                  <a:schemeClr val="dk1"/>
-                </a:solidFill>
-              </a:rPr>
-              <a:t>QUESTIONS?</a:t>
-            </a:r>
-            <a:endParaRPr sz="2100">
-              <a:solidFill>
-                <a:schemeClr val="dk1"/>
-              </a:solidFill>
-            </a:endParaRPr>
           </a:p>
         </p:txBody>
       </p:sp>
@@ -41491,9 +41864,16 @@
 <file path=ppt/slides/slide13.xml><?xml version="1.0" encoding="utf-8"?>
 <p:sld xmlns:a="http://schemas.openxmlformats.org/drawingml/2006/main" xmlns:r="http://schemas.openxmlformats.org/officeDocument/2006/relationships" xmlns:mc="http://schemas.openxmlformats.org/markup-compatibility/2006" xmlns:mv="urn:schemas-microsoft-com:mac:vml" xmlns:p="http://schemas.openxmlformats.org/presentationml/2006/main" xmlns:c="http://schemas.openxmlformats.org/drawingml/2006/chart" xmlns:dgm="http://schemas.openxmlformats.org/drawingml/2006/diagram" xmlns:o="urn:schemas-microsoft-com:office:office" xmlns:v="urn:schemas-microsoft-com:vml" xmlns:pvml="urn:schemas-microsoft-com:office:powerpoint" xmlns:com="http://schemas.openxmlformats.org/drawingml/2006/compatibility" xmlns:p14="http://schemas.microsoft.com/office/powerpoint/2010/main" xmlns:p15="http://schemas.microsoft.com/office/powerpoint/2012/main" xmlns:ahyp="http://schemas.microsoft.com/office/drawing/2018/hyperlinkcolor">
   <p:cSld>
+    <p:bg>
+      <p:bgPr>
+        <a:solidFill>
+          <a:schemeClr val="lt1"/>
+        </a:solidFill>
+      </p:bgPr>
+    </p:bg>
     <p:spTree>
       <p:nvGrpSpPr>
-        <p:cNvPr id="562" name="Shape 562"/>
+        <p:cNvPr id="573" name="Shape 573"/>
         <p:cNvGrpSpPr/>
         <p:nvPr/>
       </p:nvGrpSpPr>
@@ -41507,7 +41887,302 @@
       </p:grpSpPr>
       <p:sp>
         <p:nvSpPr>
-          <p:cNvPr id="563" name="Google Shape;563;p73"/>
+          <p:cNvPr id="574" name="Google Shape;574;p73"/>
+          <p:cNvSpPr/>
+          <p:nvPr/>
+        </p:nvSpPr>
+        <p:spPr>
+          <a:xfrm>
+            <a:off x="246325" y="2128350"/>
+            <a:ext cx="8641500" cy="876900"/>
+          </a:xfrm>
+          <a:prstGeom prst="roundRect">
+            <a:avLst>
+              <a:gd fmla="val 16667" name="adj"/>
+            </a:avLst>
+          </a:prstGeom>
+          <a:solidFill>
+            <a:schemeClr val="dk2"/>
+          </a:solidFill>
+          <a:ln cap="flat" cmpd="sng" w="9525">
+            <a:solidFill>
+              <a:schemeClr val="dk2"/>
+            </a:solidFill>
+            <a:prstDash val="solid"/>
+            <a:round/>
+            <a:headEnd len="sm" w="sm" type="none"/>
+            <a:tailEnd len="sm" w="sm" type="none"/>
+          </a:ln>
+        </p:spPr>
+        <p:txBody>
+          <a:bodyPr anchorCtr="0" anchor="ctr" bIns="91425" lIns="91425" spcFirstLastPara="1" rIns="91425" wrap="square" tIns="91425">
+            <a:noAutofit/>
+          </a:bodyPr>
+          <a:lstStyle/>
+          <a:p>
+            <a:pPr indent="0" lvl="0" marL="0" rtl="0" algn="ctr">
+              <a:spcBef>
+                <a:spcPts val="0"/>
+              </a:spcBef>
+              <a:spcAft>
+                <a:spcPts val="0"/>
+              </a:spcAft>
+              <a:buNone/>
+            </a:pPr>
+            <a:r>
+              <a:t/>
+            </a:r>
+            <a:endParaRPr>
+              <a:latin typeface="DM Sans"/>
+              <a:ea typeface="DM Sans"/>
+              <a:cs typeface="DM Sans"/>
+              <a:sym typeface="DM Sans"/>
+            </a:endParaRPr>
+          </a:p>
+        </p:txBody>
+      </p:sp>
+      <p:sp>
+        <p:nvSpPr>
+          <p:cNvPr id="575" name="Google Shape;575;p73"/>
+          <p:cNvSpPr/>
+          <p:nvPr/>
+        </p:nvSpPr>
+        <p:spPr>
+          <a:xfrm>
+            <a:off x="2049538" y="1078938"/>
+            <a:ext cx="5035068" cy="2975724"/>
+          </a:xfrm>
+          <a:prstGeom prst="cloud">
+            <a:avLst/>
+          </a:prstGeom>
+          <a:solidFill>
+            <a:schemeClr val="lt2"/>
+          </a:solidFill>
+          <a:ln cap="flat" cmpd="sng" w="9525">
+            <a:solidFill>
+              <a:schemeClr val="dk1"/>
+            </a:solidFill>
+            <a:prstDash val="solid"/>
+            <a:round/>
+            <a:headEnd len="sm" w="sm" type="none"/>
+            <a:tailEnd len="sm" w="sm" type="none"/>
+          </a:ln>
+        </p:spPr>
+        <p:txBody>
+          <a:bodyPr anchorCtr="0" anchor="ctr" bIns="91425" lIns="91425" spcFirstLastPara="1" rIns="91425" wrap="square" tIns="91425">
+            <a:noAutofit/>
+          </a:bodyPr>
+          <a:lstStyle/>
+          <a:p>
+            <a:pPr indent="0" lvl="0" marL="0" rtl="0" algn="ctr">
+              <a:spcBef>
+                <a:spcPts val="0"/>
+              </a:spcBef>
+              <a:spcAft>
+                <a:spcPts val="0"/>
+              </a:spcAft>
+              <a:buNone/>
+            </a:pPr>
+            <a:r>
+              <a:t/>
+            </a:r>
+            <a:endParaRPr>
+              <a:latin typeface="DM Sans"/>
+              <a:ea typeface="DM Sans"/>
+              <a:cs typeface="DM Sans"/>
+              <a:sym typeface="DM Sans"/>
+            </a:endParaRPr>
+          </a:p>
+        </p:txBody>
+      </p:sp>
+      <p:sp>
+        <p:nvSpPr>
+          <p:cNvPr id="576" name="Google Shape;576;p73"/>
+          <p:cNvSpPr txBox="1"/>
+          <p:nvPr/>
+        </p:nvSpPr>
+        <p:spPr>
+          <a:xfrm>
+            <a:off x="3135775" y="2079000"/>
+            <a:ext cx="2862600" cy="975600"/>
+          </a:xfrm>
+          <a:prstGeom prst="rect">
+            <a:avLst/>
+          </a:prstGeom>
+          <a:noFill/>
+          <a:ln>
+            <a:noFill/>
+          </a:ln>
+        </p:spPr>
+        <p:txBody>
+          <a:bodyPr anchorCtr="0" anchor="t" bIns="91425" lIns="91425" spcFirstLastPara="1" rIns="91425" wrap="square" tIns="91425">
+            <a:noAutofit/>
+          </a:bodyPr>
+          <a:lstStyle/>
+          <a:p>
+            <a:pPr indent="0" lvl="0" marL="0" rtl="0" algn="l">
+              <a:spcBef>
+                <a:spcPts val="0"/>
+              </a:spcBef>
+              <a:spcAft>
+                <a:spcPts val="0"/>
+              </a:spcAft>
+              <a:buNone/>
+            </a:pPr>
+            <a:r>
+              <a:rPr lang="en" sz="4400">
+                <a:latin typeface="Della Respira"/>
+                <a:ea typeface="Della Respira"/>
+                <a:cs typeface="Della Respira"/>
+                <a:sym typeface="Della Respira"/>
+              </a:rPr>
+              <a:t>Questions?</a:t>
+            </a:r>
+            <a:endParaRPr sz="4400">
+              <a:latin typeface="Della Respira"/>
+              <a:ea typeface="Della Respira"/>
+              <a:cs typeface="Della Respira"/>
+              <a:sym typeface="Della Respira"/>
+            </a:endParaRPr>
+          </a:p>
+        </p:txBody>
+      </p:sp>
+      <p:sp>
+        <p:nvSpPr>
+          <p:cNvPr id="577" name="Google Shape;577;p73"/>
+          <p:cNvSpPr/>
+          <p:nvPr/>
+        </p:nvSpPr>
+        <p:spPr>
+          <a:xfrm>
+            <a:off x="6660925" y="3453525"/>
+            <a:ext cx="926208" cy="601128"/>
+          </a:xfrm>
+          <a:prstGeom prst="cloud">
+            <a:avLst/>
+          </a:prstGeom>
+          <a:solidFill>
+            <a:schemeClr val="lt2"/>
+          </a:solidFill>
+          <a:ln cap="flat" cmpd="sng" w="9525">
+            <a:solidFill>
+              <a:schemeClr val="dk1"/>
+            </a:solidFill>
+            <a:prstDash val="solid"/>
+            <a:round/>
+            <a:headEnd len="sm" w="sm" type="none"/>
+            <a:tailEnd len="sm" w="sm" type="none"/>
+          </a:ln>
+        </p:spPr>
+        <p:txBody>
+          <a:bodyPr anchorCtr="0" anchor="ctr" bIns="91425" lIns="91425" spcFirstLastPara="1" rIns="91425" wrap="square" tIns="91425">
+            <a:noAutofit/>
+          </a:bodyPr>
+          <a:lstStyle/>
+          <a:p>
+            <a:pPr indent="0" lvl="0" marL="0" rtl="0" algn="ctr">
+              <a:spcBef>
+                <a:spcPts val="0"/>
+              </a:spcBef>
+              <a:spcAft>
+                <a:spcPts val="0"/>
+              </a:spcAft>
+              <a:buNone/>
+            </a:pPr>
+            <a:r>
+              <a:t/>
+            </a:r>
+            <a:endParaRPr>
+              <a:latin typeface="DM Sans"/>
+              <a:ea typeface="DM Sans"/>
+              <a:cs typeface="DM Sans"/>
+              <a:sym typeface="DM Sans"/>
+            </a:endParaRPr>
+          </a:p>
+        </p:txBody>
+      </p:sp>
+      <p:sp>
+        <p:nvSpPr>
+          <p:cNvPr id="578" name="Google Shape;578;p73"/>
+          <p:cNvSpPr/>
+          <p:nvPr/>
+        </p:nvSpPr>
+        <p:spPr>
+          <a:xfrm>
+            <a:off x="7863053" y="4227126"/>
+            <a:ext cx="526824" cy="314928"/>
+          </a:xfrm>
+          <a:prstGeom prst="cloud">
+            <a:avLst/>
+          </a:prstGeom>
+          <a:solidFill>
+            <a:schemeClr val="lt2"/>
+          </a:solidFill>
+          <a:ln cap="flat" cmpd="sng" w="9525">
+            <a:solidFill>
+              <a:schemeClr val="dk1"/>
+            </a:solidFill>
+            <a:prstDash val="solid"/>
+            <a:round/>
+            <a:headEnd len="sm" w="sm" type="none"/>
+            <a:tailEnd len="sm" w="sm" type="none"/>
+          </a:ln>
+        </p:spPr>
+        <p:txBody>
+          <a:bodyPr anchorCtr="0" anchor="ctr" bIns="91425" lIns="91425" spcFirstLastPara="1" rIns="91425" wrap="square" tIns="91425">
+            <a:noAutofit/>
+          </a:bodyPr>
+          <a:lstStyle/>
+          <a:p>
+            <a:pPr indent="0" lvl="0" marL="0" rtl="0" algn="ctr">
+              <a:spcBef>
+                <a:spcPts val="0"/>
+              </a:spcBef>
+              <a:spcAft>
+                <a:spcPts val="0"/>
+              </a:spcAft>
+              <a:buNone/>
+            </a:pPr>
+            <a:r>
+              <a:t/>
+            </a:r>
+            <a:endParaRPr>
+              <a:latin typeface="DM Sans"/>
+              <a:ea typeface="DM Sans"/>
+              <a:cs typeface="DM Sans"/>
+              <a:sym typeface="DM Sans"/>
+            </a:endParaRPr>
+          </a:p>
+        </p:txBody>
+      </p:sp>
+    </p:spTree>
+  </p:cSld>
+  <p:clrMapOvr>
+    <a:masterClrMapping/>
+  </p:clrMapOvr>
+</p:sld>
+</file>
+
+<file path=ppt/slides/slide14.xml><?xml version="1.0" encoding="utf-8"?>
+<p:sld xmlns:a="http://schemas.openxmlformats.org/drawingml/2006/main" xmlns:r="http://schemas.openxmlformats.org/officeDocument/2006/relationships" xmlns:mc="http://schemas.openxmlformats.org/markup-compatibility/2006" xmlns:mv="urn:schemas-microsoft-com:mac:vml" xmlns:p="http://schemas.openxmlformats.org/presentationml/2006/main" xmlns:c="http://schemas.openxmlformats.org/drawingml/2006/chart" xmlns:dgm="http://schemas.openxmlformats.org/drawingml/2006/diagram" xmlns:o="urn:schemas-microsoft-com:office:office" xmlns:v="urn:schemas-microsoft-com:vml" xmlns:pvml="urn:schemas-microsoft-com:office:powerpoint" xmlns:com="http://schemas.openxmlformats.org/drawingml/2006/compatibility" xmlns:p14="http://schemas.microsoft.com/office/powerpoint/2010/main" xmlns:p15="http://schemas.microsoft.com/office/powerpoint/2012/main" xmlns:ahyp="http://schemas.microsoft.com/office/drawing/2018/hyperlinkcolor">
+  <p:cSld>
+    <p:spTree>
+      <p:nvGrpSpPr>
+        <p:cNvPr id="582" name="Shape 582"/>
+        <p:cNvGrpSpPr/>
+        <p:nvPr/>
+      </p:nvGrpSpPr>
+      <p:grpSpPr>
+        <a:xfrm>
+          <a:off x="0" y="0"/>
+          <a:ext cx="0" cy="0"/>
+          <a:chOff x="0" y="0"/>
+          <a:chExt cx="0" cy="0"/>
+        </a:xfrm>
+      </p:grpSpPr>
+      <p:sp>
+        <p:nvSpPr>
+          <p:cNvPr id="583" name="Google Shape;583;p74"/>
           <p:cNvSpPr txBox="1"/>
           <p:nvPr>
             <p:ph type="title"/>
@@ -41547,7 +42222,7 @@
       </p:sp>
       <p:sp>
         <p:nvSpPr>
-          <p:cNvPr id="564" name="Google Shape;564;p73"/>
+          <p:cNvPr id="584" name="Google Shape;584;p74"/>
           <p:cNvSpPr txBox="1"/>
           <p:nvPr>
             <p:ph idx="3" type="subTitle"/>
@@ -41578,7 +42253,12 @@
               <a:buNone/>
             </a:pPr>
             <a:r>
-              <a:t/>
+              <a:rPr lang="en">
+                <a:solidFill>
+                  <a:schemeClr val="dk1"/>
+                </a:solidFill>
+              </a:rPr>
+              <a:t>Have a good break! :)</a:t>
             </a:r>
             <a:endParaRPr>
               <a:solidFill>
@@ -41590,7 +42270,7 @@
       </p:sp>
       <p:sp>
         <p:nvSpPr>
-          <p:cNvPr id="565" name="Google Shape;565;p73"/>
+          <p:cNvPr id="585" name="Google Shape;585;p74"/>
           <p:cNvSpPr txBox="1"/>
           <p:nvPr/>
         </p:nvSpPr>
@@ -43085,9 +43765,14 @@
               <a:buNone/>
             </a:pPr>
             <a:r>
-              <a:t/>
+              <a:rPr lang="en" sz="1200">
+                <a:solidFill>
+                  <a:schemeClr val="dk1"/>
+                </a:solidFill>
+              </a:rPr>
+              <a:t>We will discuss more when we demonstrate our code</a:t>
             </a:r>
-            <a:endParaRPr>
+            <a:endParaRPr sz="1100">
               <a:solidFill>
                 <a:schemeClr val="dk1"/>
               </a:solidFill>
@@ -43554,7 +44239,7 @@
             <a:r>
               <a:t/>
             </a:r>
-            <a:endParaRPr sz="600"/>
+            <a:endParaRPr sz="700"/>
           </a:p>
         </p:txBody>
       </p:sp>
@@ -43568,7 +44253,7 @@
         </p:nvSpPr>
         <p:spPr>
           <a:xfrm>
-            <a:off x="496375" y="1217312"/>
+            <a:off x="520200" y="1174312"/>
             <a:ext cx="8103600" cy="801300"/>
           </a:xfrm>
           <a:prstGeom prst="rect">
@@ -43595,7 +44280,7 @@
               <a:buNone/>
             </a:pPr>
             <a:r>
-              <a:rPr b="1" lang="en" sz="1120">
+              <a:rPr b="1" lang="en" sz="1220">
                 <a:solidFill>
                   <a:schemeClr val="dk1"/>
                 </a:solidFill>
@@ -43604,9 +44289,9 @@
                 <a:cs typeface="Times New Roman"/>
                 <a:sym typeface="Times New Roman"/>
               </a:rPr>
-              <a:t>After testing our two models, Logistic regression(LR) and random forest classification(RFC), RFC performed significantly better at predicting booking cancellations. With 82-83% accuracy across city and resort hotels, this was a large improvement over the minimum expected baseline of simply predicting 66% of bookings as non-cancelled based on historical trends. Below are various confusion matrices of our models:</a:t>
+              <a:t>After testing our two models, Logistic regression(LR) and random forest classification(RFC), RFC performed significantly better at predicting booking cancellations. With 82-83% accuracy across city and resort hotels, this was a large improvement over the minimum expected baseline of simply predicting 66% of bookings as non-cancelled based on historical trends. </a:t>
             </a:r>
-            <a:endParaRPr b="1" sz="1460">
+            <a:endParaRPr b="1" sz="1560">
               <a:solidFill>
                 <a:schemeClr val="dk1"/>
               </a:solidFill>
@@ -43905,7 +44590,7 @@
         </p:blipFill>
         <p:spPr>
           <a:xfrm>
-            <a:off x="274946" y="2160675"/>
+            <a:off x="274950" y="2160675"/>
             <a:ext cx="2718900" cy="2761500"/>
           </a:xfrm>
           <a:prstGeom prst="roundRect">
@@ -43977,6 +44662,178 @@
           </a:p>
         </p:txBody>
       </p:sp>
+      <p:pic>
+        <p:nvPicPr>
+          <p:cNvPr id="515" name="Google Shape;515;p67"/>
+          <p:cNvPicPr preferRelativeResize="0"/>
+          <p:nvPr/>
+        </p:nvPicPr>
+        <p:blipFill>
+          <a:blip r:embed="rId5">
+            <a:alphaModFix/>
+          </a:blip>
+          <a:stretch>
+            <a:fillRect/>
+          </a:stretch>
+        </p:blipFill>
+        <p:spPr>
+          <a:xfrm>
+            <a:off x="2952161" y="4341575"/>
+            <a:ext cx="2305200" cy="662100"/>
+          </a:xfrm>
+          <a:prstGeom prst="roundRect">
+            <a:avLst>
+              <a:gd fmla="val 16667" name="adj"/>
+            </a:avLst>
+          </a:prstGeom>
+          <a:noFill/>
+          <a:ln>
+            <a:noFill/>
+          </a:ln>
+        </p:spPr>
+      </p:pic>
+      <p:pic>
+        <p:nvPicPr>
+          <p:cNvPr id="516" name="Google Shape;516;p67"/>
+          <p:cNvPicPr preferRelativeResize="0"/>
+          <p:nvPr/>
+        </p:nvPicPr>
+        <p:blipFill>
+          <a:blip r:embed="rId6">
+            <a:alphaModFix/>
+          </a:blip>
+          <a:stretch>
+            <a:fillRect/>
+          </a:stretch>
+        </p:blipFill>
+        <p:spPr>
+          <a:xfrm>
+            <a:off x="2952150" y="2156151"/>
+            <a:ext cx="2305200" cy="656100"/>
+          </a:xfrm>
+          <a:prstGeom prst="roundRect">
+            <a:avLst>
+              <a:gd fmla="val 16667" name="adj"/>
+            </a:avLst>
+          </a:prstGeom>
+          <a:noFill/>
+          <a:ln>
+            <a:noFill/>
+          </a:ln>
+        </p:spPr>
+      </p:pic>
+      <p:pic>
+        <p:nvPicPr>
+          <p:cNvPr id="517" name="Google Shape;517;p67"/>
+          <p:cNvPicPr preferRelativeResize="0"/>
+          <p:nvPr/>
+        </p:nvPicPr>
+        <p:blipFill>
+          <a:blip r:embed="rId7">
+            <a:alphaModFix/>
+          </a:blip>
+          <a:stretch>
+            <a:fillRect/>
+          </a:stretch>
+        </p:blipFill>
+        <p:spPr>
+          <a:xfrm>
+            <a:off x="569475" y="2617775"/>
+            <a:ext cx="810025" cy="466375"/>
+          </a:xfrm>
+          <a:prstGeom prst="rect">
+            <a:avLst/>
+          </a:prstGeom>
+          <a:noFill/>
+          <a:ln>
+            <a:noFill/>
+          </a:ln>
+        </p:spPr>
+      </p:pic>
+      <p:pic>
+        <p:nvPicPr>
+          <p:cNvPr id="518" name="Google Shape;518;p67"/>
+          <p:cNvPicPr preferRelativeResize="0"/>
+          <p:nvPr/>
+        </p:nvPicPr>
+        <p:blipFill>
+          <a:blip r:embed="rId8">
+            <a:alphaModFix/>
+          </a:blip>
+          <a:stretch>
+            <a:fillRect/>
+          </a:stretch>
+        </p:blipFill>
+        <p:spPr>
+          <a:xfrm>
+            <a:off x="1531850" y="2612825"/>
+            <a:ext cx="838200" cy="476250"/>
+          </a:xfrm>
+          <a:prstGeom prst="rect">
+            <a:avLst/>
+          </a:prstGeom>
+          <a:noFill/>
+          <a:ln>
+            <a:noFill/>
+          </a:ln>
+        </p:spPr>
+      </p:pic>
+      <p:pic>
+        <p:nvPicPr>
+          <p:cNvPr id="519" name="Google Shape;519;p67"/>
+          <p:cNvPicPr preferRelativeResize="0"/>
+          <p:nvPr/>
+        </p:nvPicPr>
+        <p:blipFill>
+          <a:blip r:embed="rId9">
+            <a:alphaModFix/>
+          </a:blip>
+          <a:stretch>
+            <a:fillRect/>
+          </a:stretch>
+        </p:blipFill>
+        <p:spPr>
+          <a:xfrm>
+            <a:off x="617500" y="3884375"/>
+            <a:ext cx="762000" cy="457200"/>
+          </a:xfrm>
+          <a:prstGeom prst="rect">
+            <a:avLst/>
+          </a:prstGeom>
+          <a:noFill/>
+          <a:ln>
+            <a:noFill/>
+          </a:ln>
+        </p:spPr>
+      </p:pic>
+      <p:pic>
+        <p:nvPicPr>
+          <p:cNvPr id="520" name="Google Shape;520;p67"/>
+          <p:cNvPicPr preferRelativeResize="0"/>
+          <p:nvPr/>
+        </p:nvPicPr>
+        <p:blipFill>
+          <a:blip r:embed="rId10">
+            <a:alphaModFix/>
+          </a:blip>
+          <a:stretch>
+            <a:fillRect/>
+          </a:stretch>
+        </p:blipFill>
+        <p:spPr>
+          <a:xfrm>
+            <a:off x="1550900" y="3874850"/>
+            <a:ext cx="800100" cy="476250"/>
+          </a:xfrm>
+          <a:prstGeom prst="rect">
+            <a:avLst/>
+          </a:prstGeom>
+          <a:noFill/>
+          <a:ln>
+            <a:noFill/>
+          </a:ln>
+        </p:spPr>
+      </p:pic>
     </p:spTree>
   </p:cSld>
   <p:clrMapOvr>
@@ -43990,7 +44847,7 @@
   <p:cSld>
     <p:spTree>
       <p:nvGrpSpPr>
-        <p:cNvPr id="518" name="Shape 518"/>
+        <p:cNvPr id="524" name="Shape 524"/>
         <p:cNvGrpSpPr/>
         <p:nvPr/>
       </p:nvGrpSpPr>
@@ -44004,50 +44861,7 @@
       </p:grpSpPr>
       <p:sp>
         <p:nvSpPr>
-          <p:cNvPr id="519" name="Google Shape;519;p68"/>
-          <p:cNvSpPr txBox="1"/>
-          <p:nvPr>
-            <p:ph idx="2" type="body"/>
-          </p:nvPr>
-        </p:nvSpPr>
-        <p:spPr>
-          <a:xfrm>
-            <a:off x="503350" y="1503725"/>
-            <a:ext cx="3768000" cy="550200"/>
-          </a:xfrm>
-          <a:prstGeom prst="rect">
-            <a:avLst/>
-          </a:prstGeom>
-        </p:spPr>
-        <p:txBody>
-          <a:bodyPr anchorCtr="0" anchor="t" bIns="91425" lIns="91425" spcFirstLastPara="1" rIns="91425" wrap="square" tIns="91425">
-            <a:normAutofit/>
-          </a:bodyPr>
-          <a:lstStyle/>
-          <a:p>
-            <a:pPr indent="0" lvl="0" marL="0" rtl="0" algn="l">
-              <a:spcBef>
-                <a:spcPts val="0"/>
-              </a:spcBef>
-              <a:spcAft>
-                <a:spcPts val="0"/>
-              </a:spcAft>
-              <a:buNone/>
-            </a:pPr>
-            <a:r>
-              <a:t/>
-            </a:r>
-            <a:endParaRPr>
-              <a:solidFill>
-                <a:schemeClr val="dk1"/>
-              </a:solidFill>
-            </a:endParaRPr>
-          </a:p>
-        </p:txBody>
-      </p:sp>
-      <p:sp>
-        <p:nvSpPr>
-          <p:cNvPr id="520" name="Google Shape;520;p68"/>
+          <p:cNvPr id="525" name="Google Shape;525;p68"/>
           <p:cNvSpPr txBox="1"/>
           <p:nvPr>
             <p:ph type="title"/>
@@ -44090,7 +44904,7 @@
       </p:sp>
       <p:pic>
         <p:nvPicPr>
-          <p:cNvPr id="521" name="Google Shape;521;p68"/>
+          <p:cNvPr id="526" name="Google Shape;526;p68"/>
           <p:cNvPicPr preferRelativeResize="0"/>
           <p:nvPr/>
         </p:nvPicPr>
@@ -44126,7 +44940,7 @@
       </p:pic>
       <p:pic>
         <p:nvPicPr>
-          <p:cNvPr id="522" name="Google Shape;522;p68"/>
+          <p:cNvPr id="527" name="Google Shape;527;p68"/>
           <p:cNvPicPr preferRelativeResize="0"/>
           <p:nvPr/>
         </p:nvPicPr>
@@ -44160,52 +44974,9 @@
           </a:ln>
         </p:spPr>
       </p:pic>
-      <p:sp>
-        <p:nvSpPr>
-          <p:cNvPr id="523" name="Google Shape;523;p68"/>
-          <p:cNvSpPr txBox="1"/>
-          <p:nvPr>
-            <p:ph idx="2" type="body"/>
-          </p:nvPr>
-        </p:nvSpPr>
-        <p:spPr>
-          <a:xfrm>
-            <a:off x="4880375" y="1503725"/>
-            <a:ext cx="3768000" cy="550200"/>
-          </a:xfrm>
-          <a:prstGeom prst="rect">
-            <a:avLst/>
-          </a:prstGeom>
-        </p:spPr>
-        <p:txBody>
-          <a:bodyPr anchorCtr="0" anchor="t" bIns="91425" lIns="91425" spcFirstLastPara="1" rIns="91425" wrap="square" tIns="91425">
-            <a:normAutofit/>
-          </a:bodyPr>
-          <a:lstStyle/>
-          <a:p>
-            <a:pPr indent="0" lvl="0" marL="0" rtl="0" algn="l">
-              <a:spcBef>
-                <a:spcPts val="0"/>
-              </a:spcBef>
-              <a:spcAft>
-                <a:spcPts val="0"/>
-              </a:spcAft>
-              <a:buNone/>
-            </a:pPr>
-            <a:r>
-              <a:t/>
-            </a:r>
-            <a:endParaRPr>
-              <a:solidFill>
-                <a:schemeClr val="dk1"/>
-              </a:solidFill>
-            </a:endParaRPr>
-          </a:p>
-        </p:txBody>
-      </p:sp>
       <p:pic>
         <p:nvPicPr>
-          <p:cNvPr id="524" name="Google Shape;524;p68"/>
+          <p:cNvPr id="528" name="Google Shape;528;p68"/>
           <p:cNvPicPr preferRelativeResize="0"/>
           <p:nvPr/>
         </p:nvPicPr>
@@ -44233,7 +45004,7 @@
       </p:pic>
       <p:pic>
         <p:nvPicPr>
-          <p:cNvPr id="525" name="Google Shape;525;p68"/>
+          <p:cNvPr id="529" name="Google Shape;529;p68"/>
           <p:cNvPicPr preferRelativeResize="0"/>
           <p:nvPr/>
         </p:nvPicPr>
@@ -44259,6 +45030,237 @@
           </a:ln>
         </p:spPr>
       </p:pic>
+      <p:sp>
+        <p:nvSpPr>
+          <p:cNvPr id="530" name="Google Shape;530;p68"/>
+          <p:cNvSpPr/>
+          <p:nvPr/>
+        </p:nvSpPr>
+        <p:spPr>
+          <a:xfrm>
+            <a:off x="586200" y="1437475"/>
+            <a:ext cx="7971600" cy="463200"/>
+          </a:xfrm>
+          <a:prstGeom prst="roundRect">
+            <a:avLst>
+              <a:gd fmla="val 16667" name="adj"/>
+            </a:avLst>
+          </a:prstGeom>
+          <a:solidFill>
+            <a:schemeClr val="accent1"/>
+          </a:solidFill>
+          <a:ln cap="flat" cmpd="sng" w="9525">
+            <a:solidFill>
+              <a:schemeClr val="dk1"/>
+            </a:solidFill>
+            <a:prstDash val="solid"/>
+            <a:round/>
+            <a:headEnd len="sm" w="sm" type="none"/>
+            <a:tailEnd len="sm" w="sm" type="none"/>
+          </a:ln>
+        </p:spPr>
+        <p:txBody>
+          <a:bodyPr anchorCtr="0" anchor="ctr" bIns="91425" lIns="91425" spcFirstLastPara="1" rIns="91425" wrap="square" tIns="91425">
+            <a:noAutofit/>
+          </a:bodyPr>
+          <a:lstStyle/>
+          <a:p>
+            <a:pPr indent="0" lvl="0" marL="0" rtl="0" algn="ctr">
+              <a:spcBef>
+                <a:spcPts val="0"/>
+              </a:spcBef>
+              <a:spcAft>
+                <a:spcPts val="0"/>
+              </a:spcAft>
+              <a:buNone/>
+            </a:pPr>
+            <a:r>
+              <a:t/>
+            </a:r>
+            <a:endParaRPr>
+              <a:latin typeface="DM Sans"/>
+              <a:ea typeface="DM Sans"/>
+              <a:cs typeface="DM Sans"/>
+              <a:sym typeface="DM Sans"/>
+            </a:endParaRPr>
+          </a:p>
+        </p:txBody>
+      </p:sp>
+      <p:sp>
+        <p:nvSpPr>
+          <p:cNvPr id="531" name="Google Shape;531;p68"/>
+          <p:cNvSpPr txBox="1"/>
+          <p:nvPr>
+            <p:ph idx="2" type="body"/>
+          </p:nvPr>
+        </p:nvSpPr>
+        <p:spPr>
+          <a:xfrm>
+            <a:off x="526150" y="1384750"/>
+            <a:ext cx="8094300" cy="550200"/>
+          </a:xfrm>
+          <a:prstGeom prst="rect">
+            <a:avLst/>
+          </a:prstGeom>
+          <a:ln>
+            <a:noFill/>
+          </a:ln>
+        </p:spPr>
+        <p:txBody>
+          <a:bodyPr anchorCtr="0" anchor="t" bIns="91425" lIns="91425" spcFirstLastPara="1" rIns="91425" wrap="square" tIns="91425">
+            <a:normAutofit fontScale="92500" lnSpcReduction="20000"/>
+          </a:bodyPr>
+          <a:lstStyle/>
+          <a:p>
+            <a:pPr indent="0" lvl="0" marL="0" rtl="0" algn="l">
+              <a:spcBef>
+                <a:spcPts val="0"/>
+              </a:spcBef>
+              <a:spcAft>
+                <a:spcPts val="0"/>
+              </a:spcAft>
+              <a:buNone/>
+            </a:pPr>
+            <a:r>
+              <a:rPr lang="en">
+                <a:solidFill>
+                  <a:schemeClr val="dk1"/>
+                </a:solidFill>
+              </a:rPr>
+              <a:t>To further test our model we decided to split the data between the resort and city hotels to compare accuracy. As seen below the Resort Hotel performed slightly better.</a:t>
+            </a:r>
+            <a:endParaRPr>
+              <a:solidFill>
+                <a:schemeClr val="dk1"/>
+              </a:solidFill>
+            </a:endParaRPr>
+          </a:p>
+        </p:txBody>
+      </p:sp>
+      <p:sp>
+        <p:nvSpPr>
+          <p:cNvPr id="532" name="Google Shape;532;p68"/>
+          <p:cNvSpPr/>
+          <p:nvPr/>
+        </p:nvSpPr>
+        <p:spPr>
+          <a:xfrm>
+            <a:off x="1625700" y="1931275"/>
+            <a:ext cx="1428900" cy="423600"/>
+          </a:xfrm>
+          <a:prstGeom prst="roundRect">
+            <a:avLst>
+              <a:gd fmla="val 16667" name="adj"/>
+            </a:avLst>
+          </a:prstGeom>
+          <a:solidFill>
+            <a:schemeClr val="lt2"/>
+          </a:solidFill>
+          <a:ln cap="flat" cmpd="sng" w="9525">
+            <a:solidFill>
+              <a:schemeClr val="dk1"/>
+            </a:solidFill>
+            <a:prstDash val="solid"/>
+            <a:round/>
+            <a:headEnd len="sm" w="sm" type="none"/>
+            <a:tailEnd len="sm" w="sm" type="none"/>
+          </a:ln>
+        </p:spPr>
+        <p:txBody>
+          <a:bodyPr anchorCtr="0" anchor="ctr" bIns="91425" lIns="91425" spcFirstLastPara="1" rIns="91425" wrap="square" tIns="91425">
+            <a:noAutofit/>
+          </a:bodyPr>
+          <a:lstStyle/>
+          <a:p>
+            <a:pPr indent="0" lvl="0" marL="0" rtl="0" algn="ctr">
+              <a:spcBef>
+                <a:spcPts val="0"/>
+              </a:spcBef>
+              <a:spcAft>
+                <a:spcPts val="0"/>
+              </a:spcAft>
+              <a:buNone/>
+            </a:pPr>
+            <a:r>
+              <a:rPr b="1" lang="en">
+                <a:latin typeface="Della Respira"/>
+                <a:ea typeface="Della Respira"/>
+                <a:cs typeface="Della Respira"/>
+                <a:sym typeface="Della Respira"/>
+              </a:rPr>
+              <a:t>Resort Hotel</a:t>
+            </a:r>
+            <a:endParaRPr b="1">
+              <a:latin typeface="Della Respira"/>
+              <a:ea typeface="Della Respira"/>
+              <a:cs typeface="Della Respira"/>
+              <a:sym typeface="Della Respira"/>
+            </a:endParaRPr>
+          </a:p>
+        </p:txBody>
+      </p:sp>
+      <p:sp>
+        <p:nvSpPr>
+          <p:cNvPr id="533" name="Google Shape;533;p68"/>
+          <p:cNvSpPr/>
+          <p:nvPr/>
+        </p:nvSpPr>
+        <p:spPr>
+          <a:xfrm>
+            <a:off x="5936375" y="1931275"/>
+            <a:ext cx="1428900" cy="423600"/>
+          </a:xfrm>
+          <a:prstGeom prst="roundRect">
+            <a:avLst>
+              <a:gd fmla="val 16667" name="adj"/>
+            </a:avLst>
+          </a:prstGeom>
+          <a:solidFill>
+            <a:schemeClr val="lt1"/>
+          </a:solidFill>
+          <a:ln cap="flat" cmpd="sng" w="9525">
+            <a:solidFill>
+              <a:schemeClr val="dk1"/>
+            </a:solidFill>
+            <a:prstDash val="solid"/>
+            <a:round/>
+            <a:headEnd len="sm" w="sm" type="none"/>
+            <a:tailEnd len="sm" w="sm" type="none"/>
+          </a:ln>
+        </p:spPr>
+        <p:txBody>
+          <a:bodyPr anchorCtr="0" anchor="ctr" bIns="91425" lIns="91425" spcFirstLastPara="1" rIns="91425" wrap="square" tIns="91425">
+            <a:noAutofit/>
+          </a:bodyPr>
+          <a:lstStyle/>
+          <a:p>
+            <a:pPr indent="0" lvl="0" marL="0" rtl="0" algn="ctr">
+              <a:spcBef>
+                <a:spcPts val="0"/>
+              </a:spcBef>
+              <a:spcAft>
+                <a:spcPts val="0"/>
+              </a:spcAft>
+              <a:buNone/>
+            </a:pPr>
+            <a:r>
+              <a:rPr b="1" lang="en">
+                <a:latin typeface="Della Respira"/>
+                <a:ea typeface="Della Respira"/>
+                <a:cs typeface="Della Respira"/>
+                <a:sym typeface="Della Respira"/>
+              </a:rPr>
+              <a:t>City Hotel</a:t>
+            </a:r>
+            <a:endParaRPr b="1">
+              <a:latin typeface="Della Respira"/>
+              <a:ea typeface="Della Respira"/>
+              <a:cs typeface="Della Respira"/>
+              <a:sym typeface="Della Respira"/>
+            </a:endParaRPr>
+          </a:p>
+        </p:txBody>
+      </p:sp>
     </p:spTree>
   </p:cSld>
   <p:clrMapOvr>
@@ -44272,7 +45274,7 @@
   <p:cSld>
     <p:spTree>
       <p:nvGrpSpPr>
-        <p:cNvPr id="529" name="Shape 529"/>
+        <p:cNvPr id="537" name="Shape 537"/>
         <p:cNvGrpSpPr/>
         <p:nvPr/>
       </p:nvGrpSpPr>
@@ -44286,7 +45288,7 @@
       </p:grpSpPr>
       <p:sp>
         <p:nvSpPr>
-          <p:cNvPr id="530" name="Google Shape;530;p69"/>
+          <p:cNvPr id="538" name="Google Shape;538;p69"/>
           <p:cNvSpPr txBox="1"/>
           <p:nvPr>
             <p:ph idx="1" type="body"/>
@@ -44334,7 +45336,7 @@
                 <a:cs typeface="Times New Roman"/>
                 <a:sym typeface="Times New Roman"/>
               </a:rPr>
-              <a:t>Our initial exploratory data analysis examined the correlation coefficient of various features to cancellation. As you can see, the features with the highest correlation were deposit type, lead time, booking changes, hotel type, and customer type.</a:t>
+              <a:t>Our initial exploratory data analysis examined the correlation coefficient of various features to cancellation. </a:t>
             </a:r>
             <a:endParaRPr sz="1200">
               <a:solidFill>
@@ -44348,37 +45350,6 @@
           </a:p>
           <a:p>
             <a:pPr indent="0" lvl="0" marL="0" rtl="0" algn="l">
-              <a:lnSpc>
-                <a:spcPct val="115000"/>
-              </a:lnSpc>
-              <a:spcBef>
-                <a:spcPts val="0"/>
-              </a:spcBef>
-              <a:spcAft>
-                <a:spcPts val="0"/>
-              </a:spcAft>
-              <a:buClr>
-                <a:schemeClr val="dk1"/>
-              </a:buClr>
-              <a:buSzPts val="1100"/>
-              <a:buFont typeface="Arial"/>
-              <a:buNone/>
-            </a:pPr>
-            <a:r>
-              <a:t/>
-            </a:r>
-            <a:endParaRPr sz="1200">
-              <a:solidFill>
-                <a:schemeClr val="dk1"/>
-              </a:solidFill>
-              <a:latin typeface="Times New Roman"/>
-              <a:ea typeface="Times New Roman"/>
-              <a:cs typeface="Times New Roman"/>
-              <a:sym typeface="Times New Roman"/>
-            </a:endParaRPr>
-          </a:p>
-          <a:p>
-            <a:pPr indent="0" lvl="0" marL="0" rtl="0" algn="ctr">
               <a:lnSpc>
                 <a:spcPct val="115000"/>
               </a:lnSpc>
@@ -44427,6 +45398,37 @@
               <a:buNone/>
             </a:pPr>
             <a:r>
+              <a:t/>
+            </a:r>
+            <a:endParaRPr sz="1200">
+              <a:solidFill>
+                <a:schemeClr val="dk1"/>
+              </a:solidFill>
+              <a:latin typeface="Times New Roman"/>
+              <a:ea typeface="Times New Roman"/>
+              <a:cs typeface="Times New Roman"/>
+              <a:sym typeface="Times New Roman"/>
+            </a:endParaRPr>
+          </a:p>
+          <a:p>
+            <a:pPr indent="0" lvl="0" marL="0" rtl="0" algn="l">
+              <a:lnSpc>
+                <a:spcPct val="115000"/>
+              </a:lnSpc>
+              <a:spcBef>
+                <a:spcPts val="0"/>
+              </a:spcBef>
+              <a:spcAft>
+                <a:spcPts val="0"/>
+              </a:spcAft>
+              <a:buClr>
+                <a:schemeClr val="dk1"/>
+              </a:buClr>
+              <a:buSzPts val="1100"/>
+              <a:buFont typeface="Arial"/>
+              <a:buNone/>
+            </a:pPr>
+            <a:r>
               <a:rPr lang="en" sz="1200">
                 <a:solidFill>
                   <a:schemeClr val="dk1"/>
@@ -44436,7 +45438,171 @@
                 <a:cs typeface="Times New Roman"/>
                 <a:sym typeface="Times New Roman"/>
               </a:rPr>
-              <a:t>In contrast, during the predictive modeling, the features with the greatest importance were deposit type, lead time, and average daily rate(adr), as well as arrival date. This indicates that the price of the rooms as well as what time of year the booking is placed for both play a more significant role in cancellation likelihood than previously expected.</a:t>
+              <a:t>In contrast, during the predictive modeling, the features with the greatest importance were deposit type, lead time, and average daily rate(adr), as well as arrival date. </a:t>
+            </a:r>
+            <a:endParaRPr sz="1200">
+              <a:solidFill>
+                <a:schemeClr val="dk1"/>
+              </a:solidFill>
+              <a:latin typeface="Times New Roman"/>
+              <a:ea typeface="Times New Roman"/>
+              <a:cs typeface="Times New Roman"/>
+              <a:sym typeface="Times New Roman"/>
+            </a:endParaRPr>
+          </a:p>
+          <a:p>
+            <a:pPr indent="0" lvl="0" marL="0" rtl="0" algn="l">
+              <a:lnSpc>
+                <a:spcPct val="115000"/>
+              </a:lnSpc>
+              <a:spcBef>
+                <a:spcPts val="0"/>
+              </a:spcBef>
+              <a:spcAft>
+                <a:spcPts val="0"/>
+              </a:spcAft>
+              <a:buClr>
+                <a:schemeClr val="dk1"/>
+              </a:buClr>
+              <a:buSzPts val="1100"/>
+              <a:buFont typeface="Arial"/>
+              <a:buNone/>
+            </a:pPr>
+            <a:r>
+              <a:t/>
+            </a:r>
+            <a:endParaRPr sz="1200">
+              <a:solidFill>
+                <a:schemeClr val="dk1"/>
+              </a:solidFill>
+              <a:latin typeface="Times New Roman"/>
+              <a:ea typeface="Times New Roman"/>
+              <a:cs typeface="Times New Roman"/>
+              <a:sym typeface="Times New Roman"/>
+            </a:endParaRPr>
+          </a:p>
+          <a:p>
+            <a:pPr indent="0" lvl="0" marL="0" rtl="0" algn="l">
+              <a:lnSpc>
+                <a:spcPct val="115000"/>
+              </a:lnSpc>
+              <a:spcBef>
+                <a:spcPts val="0"/>
+              </a:spcBef>
+              <a:spcAft>
+                <a:spcPts val="0"/>
+              </a:spcAft>
+              <a:buClr>
+                <a:schemeClr val="dk1"/>
+              </a:buClr>
+              <a:buSzPts val="1100"/>
+              <a:buFont typeface="Arial"/>
+              <a:buNone/>
+            </a:pPr>
+            <a:r>
+              <a:t/>
+            </a:r>
+            <a:endParaRPr sz="1200">
+              <a:solidFill>
+                <a:schemeClr val="dk1"/>
+              </a:solidFill>
+              <a:latin typeface="Times New Roman"/>
+              <a:ea typeface="Times New Roman"/>
+              <a:cs typeface="Times New Roman"/>
+              <a:sym typeface="Times New Roman"/>
+            </a:endParaRPr>
+          </a:p>
+          <a:p>
+            <a:pPr indent="0" lvl="0" marL="0" rtl="0" algn="l">
+              <a:lnSpc>
+                <a:spcPct val="115000"/>
+              </a:lnSpc>
+              <a:spcBef>
+                <a:spcPts val="0"/>
+              </a:spcBef>
+              <a:spcAft>
+                <a:spcPts val="0"/>
+              </a:spcAft>
+              <a:buClr>
+                <a:schemeClr val="dk1"/>
+              </a:buClr>
+              <a:buSzPts val="1100"/>
+              <a:buFont typeface="Arial"/>
+              <a:buNone/>
+            </a:pPr>
+            <a:r>
+              <a:t/>
+            </a:r>
+            <a:endParaRPr sz="1200">
+              <a:solidFill>
+                <a:schemeClr val="dk1"/>
+              </a:solidFill>
+              <a:latin typeface="Times New Roman"/>
+              <a:ea typeface="Times New Roman"/>
+              <a:cs typeface="Times New Roman"/>
+              <a:sym typeface="Times New Roman"/>
+            </a:endParaRPr>
+          </a:p>
+          <a:p>
+            <a:pPr indent="0" lvl="0" marL="0" rtl="0" algn="l">
+              <a:lnSpc>
+                <a:spcPct val="115000"/>
+              </a:lnSpc>
+              <a:spcBef>
+                <a:spcPts val="0"/>
+              </a:spcBef>
+              <a:spcAft>
+                <a:spcPts val="0"/>
+              </a:spcAft>
+              <a:buClr>
+                <a:schemeClr val="dk1"/>
+              </a:buClr>
+              <a:buSzPts val="1100"/>
+              <a:buFont typeface="Arial"/>
+              <a:buNone/>
+            </a:pPr>
+            <a:r>
+              <a:t/>
+            </a:r>
+            <a:endParaRPr sz="1200">
+              <a:solidFill>
+                <a:schemeClr val="dk1"/>
+              </a:solidFill>
+              <a:latin typeface="Times New Roman"/>
+              <a:ea typeface="Times New Roman"/>
+              <a:cs typeface="Times New Roman"/>
+              <a:sym typeface="Times New Roman"/>
+            </a:endParaRPr>
+          </a:p>
+          <a:p>
+            <a:pPr indent="0" lvl="0" marL="0" rtl="0" algn="l">
+              <a:lnSpc>
+                <a:spcPct val="115000"/>
+              </a:lnSpc>
+              <a:spcBef>
+                <a:spcPts val="0"/>
+              </a:spcBef>
+              <a:spcAft>
+                <a:spcPts val="0"/>
+              </a:spcAft>
+              <a:buClr>
+                <a:schemeClr val="dk1"/>
+              </a:buClr>
+              <a:buSzPts val="1100"/>
+              <a:buFont typeface="Arial"/>
+              <a:buNone/>
+            </a:pPr>
+            <a:r>
+              <a:rPr lang="en" sz="1200">
+                <a:solidFill>
+                  <a:schemeClr val="dk1"/>
+                </a:solidFill>
+                <a:latin typeface="Times New Roman"/>
+                <a:ea typeface="Times New Roman"/>
+                <a:cs typeface="Times New Roman"/>
+                <a:sym typeface="Times New Roman"/>
+              </a:rPr>
+              <a:t>This indicates that the price of the rooms as well as what time of year the booking is placed for both play a more significant role in cancellation likelihood than previously expected.</a:t>
             </a:r>
             <a:endParaRPr>
               <a:solidFill>
@@ -44452,7 +45618,7 @@
       </p:sp>
       <p:sp>
         <p:nvSpPr>
-          <p:cNvPr id="531" name="Google Shape;531;p69"/>
+          <p:cNvPr id="539" name="Google Shape;539;p69"/>
           <p:cNvSpPr txBox="1"/>
           <p:nvPr>
             <p:ph type="title"/>
@@ -44492,7 +45658,7 @@
       </p:sp>
       <p:pic>
         <p:nvPicPr>
-          <p:cNvPr id="532" name="Google Shape;532;p69"/>
+          <p:cNvPr id="540" name="Google Shape;540;p69"/>
           <p:cNvPicPr preferRelativeResize="0"/>
           <p:nvPr/>
         </p:nvPicPr>
@@ -44528,7 +45694,7 @@
       </p:pic>
       <p:pic>
         <p:nvPicPr>
-          <p:cNvPr id="533" name="Google Shape;533;p69"/>
+          <p:cNvPr id="541" name="Google Shape;541;p69"/>
           <p:cNvPicPr preferRelativeResize="0"/>
           <p:nvPr/>
         </p:nvPicPr>
@@ -44562,6 +45728,58 @@
           </a:ln>
         </p:spPr>
       </p:pic>
+      <p:cxnSp>
+        <p:nvCxnSpPr>
+          <p:cNvPr id="542" name="Google Shape;542;p69"/>
+          <p:cNvCxnSpPr/>
+          <p:nvPr/>
+        </p:nvCxnSpPr>
+        <p:spPr>
+          <a:xfrm>
+            <a:off x="3931525" y="1734200"/>
+            <a:ext cx="1409100" cy="108300"/>
+          </a:xfrm>
+          <a:prstGeom prst="straightConnector1">
+            <a:avLst/>
+          </a:prstGeom>
+          <a:noFill/>
+          <a:ln cap="flat" cmpd="sng" w="38100">
+            <a:solidFill>
+              <a:schemeClr val="dk1"/>
+            </a:solidFill>
+            <a:prstDash val="solid"/>
+            <a:round/>
+            <a:headEnd len="med" w="med" type="none"/>
+            <a:tailEnd len="med" w="med" type="triangle"/>
+          </a:ln>
+        </p:spPr>
+      </p:cxnSp>
+      <p:cxnSp>
+        <p:nvCxnSpPr>
+          <p:cNvPr id="543" name="Google Shape;543;p69"/>
+          <p:cNvCxnSpPr/>
+          <p:nvPr/>
+        </p:nvCxnSpPr>
+        <p:spPr>
+          <a:xfrm>
+            <a:off x="3852100" y="2921225"/>
+            <a:ext cx="1035300" cy="498000"/>
+          </a:xfrm>
+          <a:prstGeom prst="straightConnector1">
+            <a:avLst/>
+          </a:prstGeom>
+          <a:noFill/>
+          <a:ln cap="flat" cmpd="sng" w="38100">
+            <a:solidFill>
+              <a:schemeClr val="dk1"/>
+            </a:solidFill>
+            <a:prstDash val="solid"/>
+            <a:round/>
+            <a:headEnd len="med" w="med" type="none"/>
+            <a:tailEnd len="med" w="med" type="triangle"/>
+          </a:ln>
+        </p:spPr>
+      </p:cxnSp>
     </p:spTree>
   </p:cSld>
   <p:clrMapOvr>
@@ -44571,6 +45789,285 @@
 </file>
 
 <file path=ppt/theme/theme1.xml><?xml version="1.0" encoding="utf-8"?>
+<a:theme xmlns:a="http://schemas.openxmlformats.org/drawingml/2006/main" xmlns:r="http://schemas.openxmlformats.org/officeDocument/2006/relationships" name="Group/Class Project #1">
+  <a:themeElements>
+    <a:clrScheme name="Simple Light">
+      <a:dk1>
+        <a:srgbClr val="000000"/>
+      </a:dk1>
+      <a:lt1>
+        <a:srgbClr val="D2DE9C"/>
+      </a:lt1>
+      <a:dk2>
+        <a:srgbClr val="F3DFA5"/>
+      </a:dk2>
+      <a:lt2>
+        <a:srgbClr val="DBEFF1"/>
+      </a:lt2>
+      <a:accent1>
+        <a:srgbClr val="FD5E48"/>
+      </a:accent1>
+      <a:accent2>
+        <a:srgbClr val="E6C2DE"/>
+      </a:accent2>
+      <a:accent3>
+        <a:srgbClr val="FFFFFF"/>
+      </a:accent3>
+      <a:accent4>
+        <a:srgbClr val="FFFFFF"/>
+      </a:accent4>
+      <a:accent5>
+        <a:srgbClr val="FFFFFF"/>
+      </a:accent5>
+      <a:accent6>
+        <a:srgbClr val="FFFFFF"/>
+      </a:accent6>
+      <a:hlink>
+        <a:srgbClr val="358CFB"/>
+      </a:hlink>
+      <a:folHlink>
+        <a:srgbClr val="0097A7"/>
+      </a:folHlink>
+    </a:clrScheme>
+    <a:fontScheme name="Office">
+      <a:majorFont>
+        <a:latin typeface="Arial"/>
+        <a:ea typeface=""/>
+        <a:cs typeface=""/>
+        <a:font script="Jpan" typeface="ＭＳ Ｐゴシック"/>
+        <a:font script="Hang" typeface="맑은 고딕"/>
+        <a:font script="Hans" typeface="宋体"/>
+        <a:font script="Hant" typeface="新細明體"/>
+        <a:font script="Arab" typeface="Times New Roman"/>
+        <a:font script="Hebr" typeface="Times New Roman"/>
+        <a:font script="Thai" typeface="Angsana New"/>
+        <a:font script="Ethi" typeface="Nyala"/>
+        <a:font script="Beng" typeface="Vrinda"/>
+        <a:font script="Gujr" typeface="Shruti"/>
+        <a:font script="Khmr" typeface="MoolBoran"/>
+        <a:font script="Knda" typeface="Tunga"/>
+        <a:font script="Guru" typeface="Raavi"/>
+        <a:font script="Cans" typeface="Euphemia"/>
+        <a:font script="Cher" typeface="Plantagenet Cherokee"/>
+        <a:font script="Yiii" typeface="Microsoft Yi Baiti"/>
+        <a:font script="Tibt" typeface="Microsoft Himalaya"/>
+        <a:font script="Thaa" typeface="MV Boli"/>
+        <a:font script="Deva" typeface="Mangal"/>
+        <a:font script="Telu" typeface="Gautami"/>
+        <a:font script="Taml" typeface="Latha"/>
+        <a:font script="Syrc" typeface="Estrangelo Edessa"/>
+        <a:font script="Orya" typeface="Kalinga"/>
+        <a:font script="Mlym" typeface="Kartika"/>
+        <a:font script="Laoo" typeface="DokChampa"/>
+        <a:font script="Sinh" typeface="Iskoola Pota"/>
+        <a:font script="Mong" typeface="Mongolian Baiti"/>
+        <a:font script="Viet" typeface="Times New Roman"/>
+        <a:font script="Uigh" typeface="Microsoft Uighur"/>
+        <a:font script="Geor" typeface="Sylfaen"/>
+      </a:majorFont>
+      <a:minorFont>
+        <a:latin typeface="Arial"/>
+        <a:ea typeface=""/>
+        <a:cs typeface=""/>
+        <a:font script="Jpan" typeface="ＭＳ Ｐゴシック"/>
+        <a:font script="Hang" typeface="맑은 고딕"/>
+        <a:font script="Hans" typeface="宋体"/>
+        <a:font script="Hant" typeface="新細明體"/>
+        <a:font script="Arab" typeface="Arial"/>
+        <a:font script="Hebr" typeface="Arial"/>
+        <a:font script="Thai" typeface="Cordia New"/>
+        <a:font script="Ethi" typeface="Nyala"/>
+        <a:font script="Beng" typeface="Vrinda"/>
+        <a:font script="Gujr" typeface="Shruti"/>
+        <a:font script="Khmr" typeface="DaunPenh"/>
+        <a:font script="Knda" typeface="Tunga"/>
+        <a:font script="Guru" typeface="Raavi"/>
+        <a:font script="Cans" typeface="Euphemia"/>
+        <a:font script="Cher" typeface="Plantagenet Cherokee"/>
+        <a:font script="Yiii" typeface="Microsoft Yi Baiti"/>
+        <a:font script="Tibt" typeface="Microsoft Himalaya"/>
+        <a:font script="Thaa" typeface="MV Boli"/>
+        <a:font script="Deva" typeface="Mangal"/>
+        <a:font script="Telu" typeface="Gautami"/>
+        <a:font script="Taml" typeface="Latha"/>
+        <a:font script="Syrc" typeface="Estrangelo Edessa"/>
+        <a:font script="Orya" typeface="Kalinga"/>
+        <a:font script="Mlym" typeface="Kartika"/>
+        <a:font script="Laoo" typeface="DokChampa"/>
+        <a:font script="Sinh" typeface="Iskoola Pota"/>
+        <a:font script="Mong" typeface="Mongolian Baiti"/>
+        <a:font script="Viet" typeface="Arial"/>
+        <a:font script="Uigh" typeface="Microsoft Uighur"/>
+        <a:font script="Geor" typeface="Sylfaen"/>
+      </a:minorFont>
+    </a:fontScheme>
+    <a:fmtScheme name="Office">
+      <a:fillStyleLst>
+        <a:solidFill>
+          <a:schemeClr val="phClr"/>
+        </a:solidFill>
+        <a:gradFill rotWithShape="1">
+          <a:gsLst>
+            <a:gs pos="0">
+              <a:schemeClr val="phClr">
+                <a:tint val="50000"/>
+                <a:satMod val="300000"/>
+              </a:schemeClr>
+            </a:gs>
+            <a:gs pos="35000">
+              <a:schemeClr val="phClr">
+                <a:tint val="37000"/>
+                <a:satMod val="300000"/>
+              </a:schemeClr>
+            </a:gs>
+            <a:gs pos="100000">
+              <a:schemeClr val="phClr">
+                <a:tint val="15000"/>
+                <a:satMod val="350000"/>
+              </a:schemeClr>
+            </a:gs>
+          </a:gsLst>
+          <a:lin ang="16200000" scaled="1"/>
+        </a:gradFill>
+        <a:gradFill rotWithShape="1">
+          <a:gsLst>
+            <a:gs pos="0">
+              <a:schemeClr val="phClr">
+                <a:tint val="100000"/>
+                <a:shade val="100000"/>
+                <a:satMod val="130000"/>
+              </a:schemeClr>
+            </a:gs>
+            <a:gs pos="100000">
+              <a:schemeClr val="phClr">
+                <a:tint val="50000"/>
+                <a:shade val="100000"/>
+                <a:satMod val="350000"/>
+              </a:schemeClr>
+            </a:gs>
+          </a:gsLst>
+          <a:lin ang="16200000" scaled="0"/>
+        </a:gradFill>
+      </a:fillStyleLst>
+      <a:lnStyleLst>
+        <a:ln w="9525" cap="flat" cmpd="sng" algn="ctr">
+          <a:solidFill>
+            <a:schemeClr val="phClr">
+              <a:shade val="95000"/>
+              <a:satMod val="105000"/>
+            </a:schemeClr>
+          </a:solidFill>
+          <a:prstDash val="solid"/>
+        </a:ln>
+        <a:ln w="25400" cap="flat" cmpd="sng" algn="ctr">
+          <a:solidFill>
+            <a:schemeClr val="phClr"/>
+          </a:solidFill>
+          <a:prstDash val="solid"/>
+        </a:ln>
+        <a:ln w="38100" cap="flat" cmpd="sng" algn="ctr">
+          <a:solidFill>
+            <a:schemeClr val="phClr"/>
+          </a:solidFill>
+          <a:prstDash val="solid"/>
+        </a:ln>
+      </a:lnStyleLst>
+      <a:effectStyleLst>
+        <a:effectStyle>
+          <a:effectLst>
+            <a:outerShdw blurRad="40000" dist="20000" dir="5400000" rotWithShape="0">
+              <a:srgbClr val="000000">
+                <a:alpha val="38000"/>
+              </a:srgbClr>
+            </a:outerShdw>
+          </a:effectLst>
+        </a:effectStyle>
+        <a:effectStyle>
+          <a:effectLst>
+            <a:outerShdw blurRad="40000" dist="23000" dir="5400000" rotWithShape="0">
+              <a:srgbClr val="000000">
+                <a:alpha val="35000"/>
+              </a:srgbClr>
+            </a:outerShdw>
+          </a:effectLst>
+        </a:effectStyle>
+        <a:effectStyle>
+          <a:effectLst>
+            <a:outerShdw blurRad="40000" dist="23000" dir="5400000" rotWithShape="0">
+              <a:srgbClr val="000000">
+                <a:alpha val="35000"/>
+              </a:srgbClr>
+            </a:outerShdw>
+          </a:effectLst>
+          <a:scene3d>
+            <a:camera prst="orthographicFront">
+              <a:rot lat="0" lon="0" rev="0"/>
+            </a:camera>
+            <a:lightRig rig="threePt" dir="t">
+              <a:rot lat="0" lon="0" rev="1200000"/>
+            </a:lightRig>
+          </a:scene3d>
+          <a:sp3d>
+            <a:bevelT w="63500" h="25400"/>
+          </a:sp3d>
+        </a:effectStyle>
+      </a:effectStyleLst>
+      <a:bgFillStyleLst>
+        <a:solidFill>
+          <a:schemeClr val="phClr"/>
+        </a:solidFill>
+        <a:gradFill rotWithShape="1">
+          <a:gsLst>
+            <a:gs pos="0">
+              <a:schemeClr val="phClr">
+                <a:tint val="40000"/>
+                <a:satMod val="350000"/>
+              </a:schemeClr>
+            </a:gs>
+            <a:gs pos="40000">
+              <a:schemeClr val="phClr">
+                <a:tint val="45000"/>
+                <a:shade val="99000"/>
+                <a:satMod val="350000"/>
+              </a:schemeClr>
+            </a:gs>
+            <a:gs pos="100000">
+              <a:schemeClr val="phClr">
+                <a:shade val="20000"/>
+                <a:satMod val="255000"/>
+              </a:schemeClr>
+            </a:gs>
+          </a:gsLst>
+          <a:path path="circle">
+            <a:fillToRect l="50000" t="-80000" r="50000" b="180000"/>
+          </a:path>
+        </a:gradFill>
+        <a:gradFill rotWithShape="1">
+          <a:gsLst>
+            <a:gs pos="0">
+              <a:schemeClr val="phClr">
+                <a:tint val="80000"/>
+                <a:satMod val="300000"/>
+              </a:schemeClr>
+            </a:gs>
+            <a:gs pos="100000">
+              <a:schemeClr val="phClr">
+                <a:shade val="30000"/>
+                <a:satMod val="200000"/>
+              </a:schemeClr>
+            </a:gs>
+          </a:gsLst>
+          <a:path path="circle">
+            <a:fillToRect l="50000" t="50000" r="50000" b="50000"/>
+          </a:path>
+        </a:gradFill>
+      </a:bgFillStyleLst>
+    </a:fmtScheme>
+  </a:themeElements>
+</a:theme>
+</file>
+
+<file path=ppt/theme/theme2.xml><?xml version="1.0" encoding="utf-8"?>
 <a:theme xmlns:a="http://schemas.openxmlformats.org/drawingml/2006/main" xmlns:r="http://schemas.openxmlformats.org/officeDocument/2006/relationships">
   <a:themeElements>
     <a:clrScheme name="Default">
@@ -44847,283 +46344,4 @@
     </a:fmtScheme>
   </a:themeElements>
 </a:theme>
-</file>
-
-<file path=ppt/theme/theme2.xml><?xml version="1.0" encoding="utf-8"?>
-<a:theme xmlns:a="http://schemas.openxmlformats.org/drawingml/2006/main" xmlns:r="http://schemas.openxmlformats.org/officeDocument/2006/relationships" name="Group/Class Project #1">
-  <a:themeElements>
-    <a:clrScheme name="Simple Light">
-      <a:dk1>
-        <a:srgbClr val="000000"/>
-      </a:dk1>
-      <a:lt1>
-        <a:srgbClr val="D2DE9C"/>
-      </a:lt1>
-      <a:dk2>
-        <a:srgbClr val="F3DFA5"/>
-      </a:dk2>
-      <a:lt2>
-        <a:srgbClr val="DBEFF1"/>
-      </a:lt2>
-      <a:accent1>
-        <a:srgbClr val="FD5E48"/>
-      </a:accent1>
-      <a:accent2>
-        <a:srgbClr val="E6C2DE"/>
-      </a:accent2>
-      <a:accent3>
-        <a:srgbClr val="FFFFFF"/>
-      </a:accent3>
-      <a:accent4>
-        <a:srgbClr val="FFFFFF"/>
-      </a:accent4>
-      <a:accent5>
-        <a:srgbClr val="FFFFFF"/>
-      </a:accent5>
-      <a:accent6>
-        <a:srgbClr val="FFFFFF"/>
-      </a:accent6>
-      <a:hlink>
-        <a:srgbClr val="358CFB"/>
-      </a:hlink>
-      <a:folHlink>
-        <a:srgbClr val="0097A7"/>
-      </a:folHlink>
-    </a:clrScheme>
-    <a:fontScheme name="Office">
-      <a:majorFont>
-        <a:latin typeface="Arial"/>
-        <a:ea typeface=""/>
-        <a:cs typeface=""/>
-        <a:font script="Jpan" typeface="ＭＳ Ｐゴシック"/>
-        <a:font script="Hang" typeface="맑은 고딕"/>
-        <a:font script="Hans" typeface="宋体"/>
-        <a:font script="Hant" typeface="新細明體"/>
-        <a:font script="Arab" typeface="Times New Roman"/>
-        <a:font script="Hebr" typeface="Times New Roman"/>
-        <a:font script="Thai" typeface="Angsana New"/>
-        <a:font script="Ethi" typeface="Nyala"/>
-        <a:font script="Beng" typeface="Vrinda"/>
-        <a:font script="Gujr" typeface="Shruti"/>
-        <a:font script="Khmr" typeface="MoolBoran"/>
-        <a:font script="Knda" typeface="Tunga"/>
-        <a:font script="Guru" typeface="Raavi"/>
-        <a:font script="Cans" typeface="Euphemia"/>
-        <a:font script="Cher" typeface="Plantagenet Cherokee"/>
-        <a:font script="Yiii" typeface="Microsoft Yi Baiti"/>
-        <a:font script="Tibt" typeface="Microsoft Himalaya"/>
-        <a:font script="Thaa" typeface="MV Boli"/>
-        <a:font script="Deva" typeface="Mangal"/>
-        <a:font script="Telu" typeface="Gautami"/>
-        <a:font script="Taml" typeface="Latha"/>
-        <a:font script="Syrc" typeface="Estrangelo Edessa"/>
-        <a:font script="Orya" typeface="Kalinga"/>
-        <a:font script="Mlym" typeface="Kartika"/>
-        <a:font script="Laoo" typeface="DokChampa"/>
-        <a:font script="Sinh" typeface="Iskoola Pota"/>
-        <a:font script="Mong" typeface="Mongolian Baiti"/>
-        <a:font script="Viet" typeface="Times New Roman"/>
-        <a:font script="Uigh" typeface="Microsoft Uighur"/>
-        <a:font script="Geor" typeface="Sylfaen"/>
-      </a:majorFont>
-      <a:minorFont>
-        <a:latin typeface="Arial"/>
-        <a:ea typeface=""/>
-        <a:cs typeface=""/>
-        <a:font script="Jpan" typeface="ＭＳ Ｐゴシック"/>
-        <a:font script="Hang" typeface="맑은 고딕"/>
-        <a:font script="Hans" typeface="宋体"/>
-        <a:font script="Hant" typeface="新細明體"/>
-        <a:font script="Arab" typeface="Arial"/>
-        <a:font script="Hebr" typeface="Arial"/>
-        <a:font script="Thai" typeface="Cordia New"/>
-        <a:font script="Ethi" typeface="Nyala"/>
-        <a:font script="Beng" typeface="Vrinda"/>
-        <a:font script="Gujr" typeface="Shruti"/>
-        <a:font script="Khmr" typeface="DaunPenh"/>
-        <a:font script="Knda" typeface="Tunga"/>
-        <a:font script="Guru" typeface="Raavi"/>
-        <a:font script="Cans" typeface="Euphemia"/>
-        <a:font script="Cher" typeface="Plantagenet Cherokee"/>
-        <a:font script="Yiii" typeface="Microsoft Yi Baiti"/>
-        <a:font script="Tibt" typeface="Microsoft Himalaya"/>
-        <a:font script="Thaa" typeface="MV Boli"/>
-        <a:font script="Deva" typeface="Mangal"/>
-        <a:font script="Telu" typeface="Gautami"/>
-        <a:font script="Taml" typeface="Latha"/>
-        <a:font script="Syrc" typeface="Estrangelo Edessa"/>
-        <a:font script="Orya" typeface="Kalinga"/>
-        <a:font script="Mlym" typeface="Kartika"/>
-        <a:font script="Laoo" typeface="DokChampa"/>
-        <a:font script="Sinh" typeface="Iskoola Pota"/>
-        <a:font script="Mong" typeface="Mongolian Baiti"/>
-        <a:font script="Viet" typeface="Arial"/>
-        <a:font script="Uigh" typeface="Microsoft Uighur"/>
-        <a:font script="Geor" typeface="Sylfaen"/>
-      </a:minorFont>
-    </a:fontScheme>
-    <a:fmtScheme name="Office">
-      <a:fillStyleLst>
-        <a:solidFill>
-          <a:schemeClr val="phClr"/>
-        </a:solidFill>
-        <a:gradFill rotWithShape="1">
-          <a:gsLst>
-            <a:gs pos="0">
-              <a:schemeClr val="phClr">
-                <a:tint val="50000"/>
-                <a:satMod val="300000"/>
-              </a:schemeClr>
-            </a:gs>
-            <a:gs pos="35000">
-              <a:schemeClr val="phClr">
-                <a:tint val="37000"/>
-                <a:satMod val="300000"/>
-              </a:schemeClr>
-            </a:gs>
-            <a:gs pos="100000">
-              <a:schemeClr val="phClr">
-                <a:tint val="15000"/>
-                <a:satMod val="350000"/>
-              </a:schemeClr>
-            </a:gs>
-          </a:gsLst>
-          <a:lin ang="16200000" scaled="1"/>
-        </a:gradFill>
-        <a:gradFill rotWithShape="1">
-          <a:gsLst>
-            <a:gs pos="0">
-              <a:schemeClr val="phClr">
-                <a:tint val="100000"/>
-                <a:shade val="100000"/>
-                <a:satMod val="130000"/>
-              </a:schemeClr>
-            </a:gs>
-            <a:gs pos="100000">
-              <a:schemeClr val="phClr">
-                <a:tint val="50000"/>
-                <a:shade val="100000"/>
-                <a:satMod val="350000"/>
-              </a:schemeClr>
-            </a:gs>
-          </a:gsLst>
-          <a:lin ang="16200000" scaled="0"/>
-        </a:gradFill>
-      </a:fillStyleLst>
-      <a:lnStyleLst>
-        <a:ln w="9525" cap="flat" cmpd="sng" algn="ctr">
-          <a:solidFill>
-            <a:schemeClr val="phClr">
-              <a:shade val="95000"/>
-              <a:satMod val="105000"/>
-            </a:schemeClr>
-          </a:solidFill>
-          <a:prstDash val="solid"/>
-        </a:ln>
-        <a:ln w="25400" cap="flat" cmpd="sng" algn="ctr">
-          <a:solidFill>
-            <a:schemeClr val="phClr"/>
-          </a:solidFill>
-          <a:prstDash val="solid"/>
-        </a:ln>
-        <a:ln w="38100" cap="flat" cmpd="sng" algn="ctr">
-          <a:solidFill>
-            <a:schemeClr val="phClr"/>
-          </a:solidFill>
-          <a:prstDash val="solid"/>
-        </a:ln>
-      </a:lnStyleLst>
-      <a:effectStyleLst>
-        <a:effectStyle>
-          <a:effectLst>
-            <a:outerShdw blurRad="40000" dist="20000" dir="5400000" rotWithShape="0">
-              <a:srgbClr val="000000">
-                <a:alpha val="38000"/>
-              </a:srgbClr>
-            </a:outerShdw>
-          </a:effectLst>
-        </a:effectStyle>
-        <a:effectStyle>
-          <a:effectLst>
-            <a:outerShdw blurRad="40000" dist="23000" dir="5400000" rotWithShape="0">
-              <a:srgbClr val="000000">
-                <a:alpha val="35000"/>
-              </a:srgbClr>
-            </a:outerShdw>
-          </a:effectLst>
-        </a:effectStyle>
-        <a:effectStyle>
-          <a:effectLst>
-            <a:outerShdw blurRad="40000" dist="23000" dir="5400000" rotWithShape="0">
-              <a:srgbClr val="000000">
-                <a:alpha val="35000"/>
-              </a:srgbClr>
-            </a:outerShdw>
-          </a:effectLst>
-          <a:scene3d>
-            <a:camera prst="orthographicFront">
-              <a:rot lat="0" lon="0" rev="0"/>
-            </a:camera>
-            <a:lightRig rig="threePt" dir="t">
-              <a:rot lat="0" lon="0" rev="1200000"/>
-            </a:lightRig>
-          </a:scene3d>
-          <a:sp3d>
-            <a:bevelT w="63500" h="25400"/>
-          </a:sp3d>
-        </a:effectStyle>
-      </a:effectStyleLst>
-      <a:bgFillStyleLst>
-        <a:solidFill>
-          <a:schemeClr val="phClr"/>
-        </a:solidFill>
-        <a:gradFill rotWithShape="1">
-          <a:gsLst>
-            <a:gs pos="0">
-              <a:schemeClr val="phClr">
-                <a:tint val="40000"/>
-                <a:satMod val="350000"/>
-              </a:schemeClr>
-            </a:gs>
-            <a:gs pos="40000">
-              <a:schemeClr val="phClr">
-                <a:tint val="45000"/>
-                <a:shade val="99000"/>
-                <a:satMod val="350000"/>
-              </a:schemeClr>
-            </a:gs>
-            <a:gs pos="100000">
-              <a:schemeClr val="phClr">
-                <a:shade val="20000"/>
-                <a:satMod val="255000"/>
-              </a:schemeClr>
-            </a:gs>
-          </a:gsLst>
-          <a:path path="circle">
-            <a:fillToRect l="50000" t="-80000" r="50000" b="180000"/>
-          </a:path>
-        </a:gradFill>
-        <a:gradFill rotWithShape="1">
-          <a:gsLst>
-            <a:gs pos="0">
-              <a:schemeClr val="phClr">
-                <a:tint val="80000"/>
-                <a:satMod val="300000"/>
-              </a:schemeClr>
-            </a:gs>
-            <a:gs pos="100000">
-              <a:schemeClr val="phClr">
-                <a:shade val="30000"/>
-                <a:satMod val="200000"/>
-              </a:schemeClr>
-            </a:gs>
-          </a:gsLst>
-          <a:path path="circle">
-            <a:fillToRect l="50000" t="50000" r="50000" b="50000"/>
-          </a:path>
-        </a:gradFill>
-      </a:bgFillStyleLst>
-    </a:fmtScheme>
-  </a:themeElements>
-</a:theme>
 </file>